--- a/AssetBundlePractice/정리.pptx
+++ b/AssetBundlePractice/정리.pptx
@@ -115,6 +115,11 @@
       </a:defRPr>
     </a:lvl9pPr>
   </p:defaultTextStyle>
+  <p:extLst>
+    <p:ext uri="{EFAFB233-063F-42B5-8137-9DF3F51BA10A}">
+      <p15:sldGuideLst xmlns:p15="http://schemas.microsoft.com/office/powerpoint/2012/main"/>
+    </p:ext>
+  </p:extLst>
 </p:presentation>
 </file>
 
@@ -3404,7 +3409,7 @@
           <a:p>
             <a:r>
               <a:rPr lang="ko-KR" altLang="en-US" dirty="0"/>
-              <a:t>번들 사용 전 빌드 용량 </a:t>
+              <a:t>번들 적용 전 빌드 용량 </a:t>
             </a:r>
             <a:r>
               <a:rPr lang="en-US" altLang="ko-KR" dirty="0"/>
@@ -3412,9 +3417,159 @@
             </a:r>
             <a:r>
               <a:rPr lang="ko-KR" altLang="en-US" dirty="0"/>
-              <a:t>번들 사용 후 빌드 용량</a:t>
+              <a:t>번들 적용 후 빌드 용량</a:t>
             </a:r>
             <a:endParaRPr lang="en-US" altLang="ko-KR" dirty="0"/>
+          </a:p>
+        </p:txBody>
+      </p:sp>
+      <p:pic>
+        <p:nvPicPr>
+          <p:cNvPr id="2" name="그림 1">
+            <a:extLst>
+              <a:ext uri="{FF2B5EF4-FFF2-40B4-BE49-F238E27FC236}">
+                <a16:creationId xmlns:a16="http://schemas.microsoft.com/office/drawing/2014/main" id="{D46697FB-105B-4D13-9E84-3E9DD54B3205}"/>
+              </a:ext>
+            </a:extLst>
+          </p:cNvPr>
+          <p:cNvPicPr>
+            <a:picLocks noChangeAspect="1"/>
+          </p:cNvPicPr>
+          <p:nvPr/>
+        </p:nvPicPr>
+        <p:blipFill>
+          <a:blip r:embed="rId2"/>
+          <a:stretch>
+            <a:fillRect/>
+          </a:stretch>
+        </p:blipFill>
+        <p:spPr>
+          <a:xfrm>
+            <a:off x="6606231" y="1873464"/>
+            <a:ext cx="4635812" cy="1914792"/>
+          </a:xfrm>
+          <a:prstGeom prst="rect">
+            <a:avLst/>
+          </a:prstGeom>
+          <a:ln>
+            <a:solidFill>
+              <a:schemeClr val="tx1"/>
+            </a:solidFill>
+          </a:ln>
+        </p:spPr>
+      </p:pic>
+      <p:pic>
+        <p:nvPicPr>
+          <p:cNvPr id="3" name="그림 2">
+            <a:extLst>
+              <a:ext uri="{FF2B5EF4-FFF2-40B4-BE49-F238E27FC236}">
+                <a16:creationId xmlns:a16="http://schemas.microsoft.com/office/drawing/2014/main" id="{5AEE0B29-CE64-4C58-A16F-761D275359D7}"/>
+              </a:ext>
+            </a:extLst>
+          </p:cNvPr>
+          <p:cNvPicPr>
+            <a:picLocks noChangeAspect="1"/>
+          </p:cNvPicPr>
+          <p:nvPr/>
+        </p:nvPicPr>
+        <p:blipFill>
+          <a:blip r:embed="rId3"/>
+          <a:stretch>
+            <a:fillRect/>
+          </a:stretch>
+        </p:blipFill>
+        <p:spPr>
+          <a:xfrm>
+            <a:off x="403654" y="1873464"/>
+            <a:ext cx="4753638" cy="1914792"/>
+          </a:xfrm>
+          <a:prstGeom prst="rect">
+            <a:avLst/>
+          </a:prstGeom>
+          <a:ln>
+            <a:solidFill>
+              <a:schemeClr val="tx1"/>
+            </a:solidFill>
+          </a:ln>
+        </p:spPr>
+      </p:pic>
+      <p:sp>
+        <p:nvSpPr>
+          <p:cNvPr id="6" name="TextBox 5">
+            <a:extLst>
+              <a:ext uri="{FF2B5EF4-FFF2-40B4-BE49-F238E27FC236}">
+                <a16:creationId xmlns:a16="http://schemas.microsoft.com/office/drawing/2014/main" id="{D6C3D39A-8ACD-41F7-8AC3-A0986ABB01CE}"/>
+              </a:ext>
+            </a:extLst>
+          </p:cNvPr>
+          <p:cNvSpPr txBox="1"/>
+          <p:nvPr/>
+        </p:nvSpPr>
+        <p:spPr>
+          <a:xfrm>
+            <a:off x="403654" y="3788256"/>
+            <a:ext cx="4753638" cy="276999"/>
+          </a:xfrm>
+          <a:prstGeom prst="rect">
+            <a:avLst/>
+          </a:prstGeom>
+          <a:noFill/>
+        </p:spPr>
+        <p:txBody>
+          <a:bodyPr wrap="square" rtlCol="0">
+            <a:spAutoFit/>
+          </a:bodyPr>
+          <a:lstStyle/>
+          <a:p>
+            <a:r>
+              <a:rPr lang="ko-KR" altLang="en-US" sz="1200" dirty="0"/>
+              <a:t>리소스를 프로젝트에 그대로 포함시킨 빌드 파일</a:t>
+            </a:r>
+            <a:endParaRPr lang="en-US" altLang="ko-KR" sz="1200" dirty="0"/>
+          </a:p>
+        </p:txBody>
+      </p:sp>
+      <p:sp>
+        <p:nvSpPr>
+          <p:cNvPr id="8" name="TextBox 7">
+            <a:extLst>
+              <a:ext uri="{FF2B5EF4-FFF2-40B4-BE49-F238E27FC236}">
+                <a16:creationId xmlns:a16="http://schemas.microsoft.com/office/drawing/2014/main" id="{35129749-D7D6-4E7D-9643-84273E6F7282}"/>
+              </a:ext>
+            </a:extLst>
+          </p:cNvPr>
+          <p:cNvSpPr txBox="1"/>
+          <p:nvPr/>
+        </p:nvSpPr>
+        <p:spPr>
+          <a:xfrm>
+            <a:off x="6606231" y="3788256"/>
+            <a:ext cx="4635812" cy="276999"/>
+          </a:xfrm>
+          <a:prstGeom prst="rect">
+            <a:avLst/>
+          </a:prstGeom>
+          <a:noFill/>
+        </p:spPr>
+        <p:txBody>
+          <a:bodyPr wrap="square" rtlCol="0">
+            <a:spAutoFit/>
+          </a:bodyPr>
+          <a:lstStyle/>
+          <a:p>
+            <a:r>
+              <a:rPr lang="ko-KR" altLang="en-US" sz="1200" dirty="0"/>
+              <a:t>리소스를 모두 제거하고 </a:t>
+            </a:r>
+            <a:r>
+              <a:rPr lang="ko-KR" altLang="en-US" sz="1200" dirty="0" err="1"/>
+              <a:t>에셋</a:t>
+            </a:r>
+            <a:r>
+              <a:rPr lang="ko-KR" altLang="en-US" sz="1200" dirty="0"/>
+              <a:t> 번들로 대체한 빌드 파일</a:t>
+            </a:r>
+            <a:endParaRPr lang="en-US" altLang="ko-KR" sz="1200" dirty="0"/>
           </a:p>
         </p:txBody>
       </p:sp>
@@ -3735,7 +3890,7 @@
           <a:p>
             <a:r>
               <a:rPr lang="ko-KR" altLang="en-US" dirty="0"/>
-              <a:t>서버 버전 테이블 조회 및 추출</a:t>
+              <a:t>서버 버전 테이블 조회 및 데이터 추출</a:t>
             </a:r>
             <a:endParaRPr lang="en-US" altLang="ko-KR" dirty="0"/>
           </a:p>
@@ -3807,7 +3962,7 @@
           <a:p>
             <a:r>
               <a:rPr lang="ko-KR" altLang="en-US" dirty="0"/>
-              <a:t>서버 버전을 기반으로 캐시 혹은 웹서버에서 </a:t>
+              <a:t>서버 버전을 기반으로 웹서버 혹은 캐시에서 </a:t>
             </a:r>
             <a:r>
               <a:rPr lang="ko-KR" altLang="en-US" dirty="0" err="1"/>
@@ -5227,12 +5382,62 @@
             </a:r>
             <a:r>
               <a:rPr lang="ko-KR" altLang="en-US" dirty="0"/>
-              <a:t>개선에 따른 실행 속도 비교</a:t>
+              <a:t>개선에 따른 실행 속도 비교 </a:t>
+            </a:r>
+            <a:r>
+              <a:rPr lang="en-US" altLang="ko-KR" dirty="0"/>
+              <a:t>– </a:t>
+            </a:r>
+            <a:r>
+              <a:rPr lang="en-US" altLang="ko-KR" dirty="0" err="1"/>
+              <a:t>Untiy</a:t>
+            </a:r>
+            <a:r>
+              <a:rPr lang="en-US" altLang="ko-KR" dirty="0"/>
+              <a:t> Editor </a:t>
+            </a:r>
+            <a:r>
+              <a:rPr lang="ko-KR" altLang="en-US" dirty="0"/>
+              <a:t>환경에서 반복 수행</a:t>
             </a:r>
             <a:endParaRPr lang="en-US" altLang="ko-KR" dirty="0"/>
           </a:p>
         </p:txBody>
       </p:sp>
+      <p:pic>
+        <p:nvPicPr>
+          <p:cNvPr id="3" name="그림 2">
+            <a:extLst>
+              <a:ext uri="{FF2B5EF4-FFF2-40B4-BE49-F238E27FC236}">
+                <a16:creationId xmlns:a16="http://schemas.microsoft.com/office/drawing/2014/main" id="{E9C05360-E1DC-4EF0-8F4C-A78C4FD4A2E4}"/>
+              </a:ext>
+            </a:extLst>
+          </p:cNvPr>
+          <p:cNvPicPr>
+            <a:picLocks noChangeAspect="1"/>
+          </p:cNvPicPr>
+          <p:nvPr/>
+        </p:nvPicPr>
+        <p:blipFill rotWithShape="1">
+          <a:blip r:embed="rId2"/>
+          <a:srcRect t="2735" b="782"/>
+          <a:stretch/>
+        </p:blipFill>
+        <p:spPr>
+          <a:xfrm>
+            <a:off x="8592064" y="267705"/>
+            <a:ext cx="1680520" cy="1076720"/>
+          </a:xfrm>
+          <a:prstGeom prst="rect">
+            <a:avLst/>
+          </a:prstGeom>
+          <a:ln>
+            <a:solidFill>
+              <a:schemeClr val="tx1"/>
+            </a:solidFill>
+          </a:ln>
+        </p:spPr>
+      </p:pic>
     </p:spTree>
     <p:extLst>
       <p:ext uri="{BB962C8B-B14F-4D97-AF65-F5344CB8AC3E}">
@@ -5265,10 +5470,10 @@
       </p:grpSpPr>
       <p:sp>
         <p:nvSpPr>
-          <p:cNvPr id="2" name="TextBox 1">
-            <a:extLst>
-              <a:ext uri="{FF2B5EF4-FFF2-40B4-BE49-F238E27FC236}">
-                <a16:creationId xmlns:a16="http://schemas.microsoft.com/office/drawing/2014/main" id="{D9BF1536-824C-4D2F-A704-1A31DB55DF7A}"/>
+          <p:cNvPr id="3" name="TextBox 2">
+            <a:extLst>
+              <a:ext uri="{FF2B5EF4-FFF2-40B4-BE49-F238E27FC236}">
+                <a16:creationId xmlns:a16="http://schemas.microsoft.com/office/drawing/2014/main" id="{057AFC93-BB3F-48EE-A120-E2F47C802887}"/>
               </a:ext>
             </a:extLst>
           </p:cNvPr>
@@ -5277,8 +5482,8 @@
         </p:nvSpPr>
         <p:spPr>
           <a:xfrm>
-            <a:off x="1153297" y="1795849"/>
-            <a:ext cx="4514335" cy="923330"/>
+            <a:off x="617837" y="1013255"/>
+            <a:ext cx="5292090" cy="1477328"/>
           </a:xfrm>
           <a:prstGeom prst="rect">
             <a:avLst/>
@@ -5286,66 +5491,6 @@
           <a:noFill/>
         </p:spPr>
         <p:txBody>
-          <a:bodyPr wrap="square" rtlCol="0">
-            <a:spAutoFit/>
-          </a:bodyPr>
-          <a:lstStyle/>
-          <a:p>
-            <a:r>
-              <a:rPr lang="en-US" altLang="ko-KR" dirty="0" err="1"/>
-              <a:t>localVersionTablePath</a:t>
-            </a:r>
-            <a:r>
-              <a:rPr lang="en-US" altLang="ko-KR" dirty="0"/>
-              <a:t>.</a:t>
-            </a:r>
-          </a:p>
-          <a:p>
-            <a:r>
-              <a:rPr lang="en-US" altLang="ko-KR" dirty="0"/>
-              <a:t>&gt;&gt; </a:t>
-            </a:r>
-            <a:r>
-              <a:rPr lang="ko-KR" altLang="en-US" dirty="0"/>
-              <a:t>경로가 없을 경우</a:t>
-            </a:r>
-            <a:endParaRPr lang="en-US" altLang="ko-KR" dirty="0"/>
-          </a:p>
-          <a:p>
-            <a:r>
-              <a:rPr lang="en-US" altLang="ko-KR" dirty="0"/>
-              <a:t>&gt;&gt; .csv </a:t>
-            </a:r>
-            <a:r>
-              <a:rPr lang="ko-KR" altLang="en-US" dirty="0"/>
-              <a:t>파일이 없을 경우</a:t>
-            </a:r>
-          </a:p>
-        </p:txBody>
-      </p:sp>
-      <p:sp>
-        <p:nvSpPr>
-          <p:cNvPr id="3" name="TextBox 2">
-            <a:extLst>
-              <a:ext uri="{FF2B5EF4-FFF2-40B4-BE49-F238E27FC236}">
-                <a16:creationId xmlns:a16="http://schemas.microsoft.com/office/drawing/2014/main" id="{057AFC93-BB3F-48EE-A120-E2F47C802887}"/>
-              </a:ext>
-            </a:extLst>
-          </p:cNvPr>
-          <p:cNvSpPr txBox="1"/>
-          <p:nvPr/>
-        </p:nvSpPr>
-        <p:spPr>
-          <a:xfrm>
-            <a:off x="2430162" y="4481384"/>
-            <a:ext cx="5292090" cy="1754326"/>
-          </a:xfrm>
-          <a:prstGeom prst="rect">
-            <a:avLst/>
-          </a:prstGeom>
-          <a:noFill/>
-        </p:spPr>
-        <p:txBody>
           <a:bodyPr wrap="none" rtlCol="0">
             <a:spAutoFit/>
           </a:bodyPr>
@@ -5412,9 +5557,6 @@
               <a:t>https://lifeisforu.tistory.com/341</a:t>
             </a:r>
             <a:endParaRPr lang="en-US" altLang="ko-KR" dirty="0"/>
-          </a:p>
-          <a:p>
-            <a:endParaRPr lang="ko-KR" altLang="en-US" dirty="0"/>
           </a:p>
         </p:txBody>
       </p:sp>

--- a/AssetBundlePractice/정리.pptx
+++ b/AssetBundlePractice/정리.pptx
@@ -15,8 +15,10 @@
     <p:sldId id="261" r:id="rId9"/>
     <p:sldId id="263" r:id="rId10"/>
     <p:sldId id="264" r:id="rId11"/>
-    <p:sldId id="265" r:id="rId12"/>
-    <p:sldId id="266" r:id="rId13"/>
+    <p:sldId id="268" r:id="rId12"/>
+    <p:sldId id="269" r:id="rId13"/>
+    <p:sldId id="265" r:id="rId14"/>
+    <p:sldId id="266" r:id="rId15"/>
   </p:sldIdLst>
   <p:sldSz cx="12192000" cy="6858000"/>
   <p:notesSz cx="6858000" cy="9144000"/>
@@ -270,7 +272,7 @@
           <a:p>
             <a:fld id="{82A66A3D-624E-443E-9E13-16461CDE98A3}" type="datetimeFigureOut">
               <a:rPr lang="ko-KR" altLang="en-US" smtClean="0"/>
-              <a:t>2021-02-03</a:t>
+              <a:t>2021-02-04</a:t>
             </a:fld>
             <a:endParaRPr lang="ko-KR" altLang="en-US"/>
           </a:p>
@@ -468,7 +470,7 @@
           <a:p>
             <a:fld id="{82A66A3D-624E-443E-9E13-16461CDE98A3}" type="datetimeFigureOut">
               <a:rPr lang="ko-KR" altLang="en-US" smtClean="0"/>
-              <a:t>2021-02-03</a:t>
+              <a:t>2021-02-04</a:t>
             </a:fld>
             <a:endParaRPr lang="ko-KR" altLang="en-US"/>
           </a:p>
@@ -676,7 +678,7 @@
           <a:p>
             <a:fld id="{82A66A3D-624E-443E-9E13-16461CDE98A3}" type="datetimeFigureOut">
               <a:rPr lang="ko-KR" altLang="en-US" smtClean="0"/>
-              <a:t>2021-02-03</a:t>
+              <a:t>2021-02-04</a:t>
             </a:fld>
             <a:endParaRPr lang="ko-KR" altLang="en-US"/>
           </a:p>
@@ -874,7 +876,7 @@
           <a:p>
             <a:fld id="{82A66A3D-624E-443E-9E13-16461CDE98A3}" type="datetimeFigureOut">
               <a:rPr lang="ko-KR" altLang="en-US" smtClean="0"/>
-              <a:t>2021-02-03</a:t>
+              <a:t>2021-02-04</a:t>
             </a:fld>
             <a:endParaRPr lang="ko-KR" altLang="en-US"/>
           </a:p>
@@ -1149,7 +1151,7 @@
           <a:p>
             <a:fld id="{82A66A3D-624E-443E-9E13-16461CDE98A3}" type="datetimeFigureOut">
               <a:rPr lang="ko-KR" altLang="en-US" smtClean="0"/>
-              <a:t>2021-02-03</a:t>
+              <a:t>2021-02-04</a:t>
             </a:fld>
             <a:endParaRPr lang="ko-KR" altLang="en-US"/>
           </a:p>
@@ -1414,7 +1416,7 @@
           <a:p>
             <a:fld id="{82A66A3D-624E-443E-9E13-16461CDE98A3}" type="datetimeFigureOut">
               <a:rPr lang="ko-KR" altLang="en-US" smtClean="0"/>
-              <a:t>2021-02-03</a:t>
+              <a:t>2021-02-04</a:t>
             </a:fld>
             <a:endParaRPr lang="ko-KR" altLang="en-US"/>
           </a:p>
@@ -1826,7 +1828,7 @@
           <a:p>
             <a:fld id="{82A66A3D-624E-443E-9E13-16461CDE98A3}" type="datetimeFigureOut">
               <a:rPr lang="ko-KR" altLang="en-US" smtClean="0"/>
-              <a:t>2021-02-03</a:t>
+              <a:t>2021-02-04</a:t>
             </a:fld>
             <a:endParaRPr lang="ko-KR" altLang="en-US"/>
           </a:p>
@@ -1967,7 +1969,7 @@
           <a:p>
             <a:fld id="{82A66A3D-624E-443E-9E13-16461CDE98A3}" type="datetimeFigureOut">
               <a:rPr lang="ko-KR" altLang="en-US" smtClean="0"/>
-              <a:t>2021-02-03</a:t>
+              <a:t>2021-02-04</a:t>
             </a:fld>
             <a:endParaRPr lang="ko-KR" altLang="en-US"/>
           </a:p>
@@ -2080,7 +2082,7 @@
           <a:p>
             <a:fld id="{82A66A3D-624E-443E-9E13-16461CDE98A3}" type="datetimeFigureOut">
               <a:rPr lang="ko-KR" altLang="en-US" smtClean="0"/>
-              <a:t>2021-02-03</a:t>
+              <a:t>2021-02-04</a:t>
             </a:fld>
             <a:endParaRPr lang="ko-KR" altLang="en-US"/>
           </a:p>
@@ -2391,7 +2393,7 @@
           <a:p>
             <a:fld id="{82A66A3D-624E-443E-9E13-16461CDE98A3}" type="datetimeFigureOut">
               <a:rPr lang="ko-KR" altLang="en-US" smtClean="0"/>
-              <a:t>2021-02-03</a:t>
+              <a:t>2021-02-04</a:t>
             </a:fld>
             <a:endParaRPr lang="ko-KR" altLang="en-US"/>
           </a:p>
@@ -2679,7 +2681,7 @@
           <a:p>
             <a:fld id="{82A66A3D-624E-443E-9E13-16461CDE98A3}" type="datetimeFigureOut">
               <a:rPr lang="ko-KR" altLang="en-US" smtClean="0"/>
-              <a:t>2021-02-03</a:t>
+              <a:t>2021-02-04</a:t>
             </a:fld>
             <a:endParaRPr lang="ko-KR" altLang="en-US"/>
           </a:p>
@@ -2920,7 +2922,7 @@
           <a:p>
             <a:fld id="{82A66A3D-624E-443E-9E13-16461CDE98A3}" type="datetimeFigureOut">
               <a:rPr lang="ko-KR" altLang="en-US" smtClean="0"/>
-              <a:t>2021-02-03</a:t>
+              <a:t>2021-02-04</a:t>
             </a:fld>
             <a:endParaRPr lang="ko-KR" altLang="en-US"/>
           </a:p>
@@ -4008,10 +4010,10 @@
       </p:grpSpPr>
       <p:sp>
         <p:nvSpPr>
-          <p:cNvPr id="10" name="직사각형 9">
-            <a:extLst>
-              <a:ext uri="{FF2B5EF4-FFF2-40B4-BE49-F238E27FC236}">
-                <a16:creationId xmlns:a16="http://schemas.microsoft.com/office/drawing/2014/main" id="{1C220BDD-ED67-4BE1-BCE8-A5EF3CAF86D3}"/>
+          <p:cNvPr id="4" name="직사각형 3">
+            <a:extLst>
+              <a:ext uri="{FF2B5EF4-FFF2-40B4-BE49-F238E27FC236}">
+                <a16:creationId xmlns:a16="http://schemas.microsoft.com/office/drawing/2014/main" id="{0493483D-9966-4684-BA66-F50DA88F89E6}"/>
               </a:ext>
             </a:extLst>
           </p:cNvPr>
@@ -4020,10 +4022,151 @@
         </p:nvSpPr>
         <p:spPr>
           <a:xfrm>
-            <a:off x="1116225" y="1817471"/>
-            <a:ext cx="3229233" cy="823783"/>
+            <a:off x="8185081" y="57936"/>
+            <a:ext cx="1789047" cy="456389"/>
           </a:xfrm>
           <a:prstGeom prst="rect">
+            <a:avLst/>
+          </a:prstGeom>
+        </p:spPr>
+        <p:style>
+          <a:lnRef idx="1">
+            <a:schemeClr val="accent1"/>
+          </a:lnRef>
+          <a:fillRef idx="2">
+            <a:schemeClr val="accent1"/>
+          </a:fillRef>
+          <a:effectRef idx="1">
+            <a:schemeClr val="accent1"/>
+          </a:effectRef>
+          <a:fontRef idx="minor">
+            <a:schemeClr val="dk1"/>
+          </a:fontRef>
+        </p:style>
+        <p:txBody>
+          <a:bodyPr rtlCol="0" anchor="ctr"/>
+          <a:lstStyle/>
+          <a:p>
+            <a:pPr algn="ctr"/>
+            <a:r>
+              <a:rPr lang="ko-KR" altLang="en-US" sz="1200" dirty="0"/>
+              <a:t>패치 시작</a:t>
+            </a:r>
+          </a:p>
+        </p:txBody>
+      </p:sp>
+      <p:sp>
+        <p:nvSpPr>
+          <p:cNvPr id="5" name="직사각형 4">
+            <a:extLst>
+              <a:ext uri="{FF2B5EF4-FFF2-40B4-BE49-F238E27FC236}">
+                <a16:creationId xmlns:a16="http://schemas.microsoft.com/office/drawing/2014/main" id="{179B7A49-8D29-419B-AB2B-DDF408A06CE0}"/>
+              </a:ext>
+            </a:extLst>
+          </p:cNvPr>
+          <p:cNvSpPr/>
+          <p:nvPr/>
+        </p:nvSpPr>
+        <p:spPr>
+          <a:xfrm>
+            <a:off x="8185081" y="756540"/>
+            <a:ext cx="1766227" cy="456389"/>
+          </a:xfrm>
+          <a:prstGeom prst="rect">
+            <a:avLst/>
+          </a:prstGeom>
+        </p:spPr>
+        <p:style>
+          <a:lnRef idx="1">
+            <a:schemeClr val="accent2"/>
+          </a:lnRef>
+          <a:fillRef idx="2">
+            <a:schemeClr val="accent2"/>
+          </a:fillRef>
+          <a:effectRef idx="1">
+            <a:schemeClr val="accent2"/>
+          </a:effectRef>
+          <a:fontRef idx="minor">
+            <a:schemeClr val="dk1"/>
+          </a:fontRef>
+        </p:style>
+        <p:txBody>
+          <a:bodyPr rtlCol="0" anchor="ctr"/>
+          <a:lstStyle/>
+          <a:p>
+            <a:pPr algn="ctr"/>
+            <a:r>
+              <a:rPr lang="ko-KR" altLang="en-US" sz="1200" dirty="0"/>
+              <a:t>서버 버전 테이블 조회</a:t>
+            </a:r>
+          </a:p>
+        </p:txBody>
+      </p:sp>
+      <p:sp>
+        <p:nvSpPr>
+          <p:cNvPr id="7" name="직사각형 6">
+            <a:extLst>
+              <a:ext uri="{FF2B5EF4-FFF2-40B4-BE49-F238E27FC236}">
+                <a16:creationId xmlns:a16="http://schemas.microsoft.com/office/drawing/2014/main" id="{79AC7D98-95F6-4458-93EA-7A859B54F072}"/>
+              </a:ext>
+            </a:extLst>
+          </p:cNvPr>
+          <p:cNvSpPr/>
+          <p:nvPr/>
+        </p:nvSpPr>
+        <p:spPr>
+          <a:xfrm>
+            <a:off x="7790650" y="1303578"/>
+            <a:ext cx="2522675" cy="508091"/>
+          </a:xfrm>
+          <a:prstGeom prst="rect">
+            <a:avLst/>
+          </a:prstGeom>
+        </p:spPr>
+        <p:style>
+          <a:lnRef idx="1">
+            <a:schemeClr val="accent2"/>
+          </a:lnRef>
+          <a:fillRef idx="2">
+            <a:schemeClr val="accent2"/>
+          </a:fillRef>
+          <a:effectRef idx="1">
+            <a:schemeClr val="accent2"/>
+          </a:effectRef>
+          <a:fontRef idx="minor">
+            <a:schemeClr val="dk1"/>
+          </a:fontRef>
+        </p:style>
+        <p:txBody>
+          <a:bodyPr rtlCol="0" anchor="ctr"/>
+          <a:lstStyle/>
+          <a:p>
+            <a:pPr algn="ctr"/>
+            <a:r>
+              <a:rPr lang="ko-KR" altLang="en-US" sz="1200" dirty="0"/>
+              <a:t>버전 테이블 데이터 추출 및 보관</a:t>
+            </a:r>
+          </a:p>
+        </p:txBody>
+      </p:sp>
+      <p:sp>
+        <p:nvSpPr>
+          <p:cNvPr id="3" name="순서도: 판단 2">
+            <a:extLst>
+              <a:ext uri="{FF2B5EF4-FFF2-40B4-BE49-F238E27FC236}">
+                <a16:creationId xmlns:a16="http://schemas.microsoft.com/office/drawing/2014/main" id="{54636446-0AFA-4484-BE28-4CAC60004788}"/>
+              </a:ext>
+            </a:extLst>
+          </p:cNvPr>
+          <p:cNvSpPr/>
+          <p:nvPr/>
+        </p:nvSpPr>
+        <p:spPr>
+          <a:xfrm>
+            <a:off x="8041548" y="2462123"/>
+            <a:ext cx="2076111" cy="613129"/>
+          </a:xfrm>
+          <a:prstGeom prst="flowChartDecision">
             <a:avLst/>
           </a:prstGeom>
         </p:spPr>
@@ -4047,93 +4190,23 @@
           <a:p>
             <a:pPr algn="ctr"/>
             <a:r>
-              <a:rPr lang="ko-KR" altLang="en-US" dirty="0"/>
-              <a:t>서버 버전 테이블 조회</a:t>
-            </a:r>
-          </a:p>
-        </p:txBody>
-      </p:sp>
-      <p:sp>
-        <p:nvSpPr>
-          <p:cNvPr id="20" name="TextBox 19">
-            <a:extLst>
-              <a:ext uri="{FF2B5EF4-FFF2-40B4-BE49-F238E27FC236}">
-                <a16:creationId xmlns:a16="http://schemas.microsoft.com/office/drawing/2014/main" id="{1C1033FB-9ABF-4450-9498-51E33DE55678}"/>
-              </a:ext>
-            </a:extLst>
-          </p:cNvPr>
-          <p:cNvSpPr txBox="1"/>
-          <p:nvPr/>
-        </p:nvSpPr>
-        <p:spPr>
-          <a:xfrm>
-            <a:off x="4477265" y="445529"/>
-            <a:ext cx="6458465" cy="369332"/>
-          </a:xfrm>
-          <a:prstGeom prst="rect">
-            <a:avLst/>
-          </a:prstGeom>
-          <a:noFill/>
-        </p:spPr>
-        <p:txBody>
-          <a:bodyPr wrap="square" rtlCol="0">
-            <a:spAutoFit/>
-          </a:bodyPr>
-          <a:lstStyle/>
-          <a:p>
-            <a:r>
-              <a:rPr lang="ko-KR" altLang="en-US" dirty="0"/>
-              <a:t>서버 버전 테이블 조회 및 추출</a:t>
-            </a:r>
-            <a:endParaRPr lang="en-US" altLang="ko-KR" dirty="0"/>
-          </a:p>
-        </p:txBody>
-      </p:sp>
-      <p:sp>
-        <p:nvSpPr>
-          <p:cNvPr id="21" name="TextBox 20">
-            <a:extLst>
-              <a:ext uri="{FF2B5EF4-FFF2-40B4-BE49-F238E27FC236}">
-                <a16:creationId xmlns:a16="http://schemas.microsoft.com/office/drawing/2014/main" id="{556C6E5C-7D9A-4F35-B25B-93A26A8BC0C2}"/>
-              </a:ext>
-            </a:extLst>
-          </p:cNvPr>
-          <p:cNvSpPr txBox="1"/>
-          <p:nvPr/>
-        </p:nvSpPr>
-        <p:spPr>
-          <a:xfrm>
-            <a:off x="4971535" y="2044696"/>
-            <a:ext cx="6458465" cy="369332"/>
-          </a:xfrm>
-          <a:prstGeom prst="rect">
-            <a:avLst/>
-          </a:prstGeom>
-          <a:noFill/>
-        </p:spPr>
-        <p:txBody>
-          <a:bodyPr wrap="square" rtlCol="0">
-            <a:spAutoFit/>
-          </a:bodyPr>
-          <a:lstStyle/>
-          <a:p>
-            <a:r>
-              <a:rPr lang="en-US" altLang="ko-KR" dirty="0" err="1"/>
-              <a:t>UnityWebRequest.Get</a:t>
-            </a:r>
-            <a:r>
-              <a:rPr lang="en-US" altLang="ko-KR" dirty="0"/>
-              <a:t>( version table URL )</a:t>
-            </a:r>
-          </a:p>
-        </p:txBody>
-      </p:sp>
-      <p:sp>
-        <p:nvSpPr>
-          <p:cNvPr id="8" name="직사각형 7">
-            <a:extLst>
-              <a:ext uri="{FF2B5EF4-FFF2-40B4-BE49-F238E27FC236}">
-                <a16:creationId xmlns:a16="http://schemas.microsoft.com/office/drawing/2014/main" id="{F7B9AF51-4851-4BDA-8161-C1C27A027BA7}"/>
+              <a:rPr lang="ko-KR" altLang="en-US" sz="1200" dirty="0"/>
+              <a:t>파일 존재</a:t>
+            </a:r>
+            <a:r>
+              <a:rPr lang="en-US" altLang="ko-KR" sz="1200" dirty="0"/>
+              <a:t>?</a:t>
+            </a:r>
+            <a:endParaRPr lang="ko-KR" altLang="en-US" sz="1200" dirty="0"/>
+          </a:p>
+        </p:txBody>
+      </p:sp>
+      <p:sp>
+        <p:nvSpPr>
+          <p:cNvPr id="13" name="직사각형 12">
+            <a:extLst>
+              <a:ext uri="{FF2B5EF4-FFF2-40B4-BE49-F238E27FC236}">
+                <a16:creationId xmlns:a16="http://schemas.microsoft.com/office/drawing/2014/main" id="{C62391BD-93B4-4D4F-AA72-4019F98DD0E4}"/>
               </a:ext>
             </a:extLst>
           </p:cNvPr>
@@ -4142,8 +4215,8 @@
         </p:nvSpPr>
         <p:spPr>
           <a:xfrm>
-            <a:off x="193585" y="218304"/>
-            <a:ext cx="3616409" cy="823783"/>
+            <a:off x="5948508" y="2410122"/>
+            <a:ext cx="1490259" cy="385079"/>
           </a:xfrm>
           <a:prstGeom prst="rect">
             <a:avLst/>
@@ -4169,23 +4242,18 @@
           <a:p>
             <a:pPr algn="ctr"/>
             <a:r>
-              <a:rPr lang="en-US" altLang="ko-KR" dirty="0" err="1"/>
-              <a:t>NewCheckBundleVersion</a:t>
-            </a:r>
-            <a:r>
-              <a:rPr lang="en-US" altLang="ko-KR" dirty="0"/>
-              <a:t>()</a:t>
-            </a:r>
-            <a:endParaRPr lang="ko-KR" altLang="en-US" dirty="0"/>
-          </a:p>
-        </p:txBody>
-      </p:sp>
-      <p:sp>
-        <p:nvSpPr>
-          <p:cNvPr id="6" name="직사각형 5">
-            <a:extLst>
-              <a:ext uri="{FF2B5EF4-FFF2-40B4-BE49-F238E27FC236}">
-                <a16:creationId xmlns:a16="http://schemas.microsoft.com/office/drawing/2014/main" id="{1C9FB8A4-8B5D-4698-9AFD-A920498AE12A}"/>
+              <a:rPr lang="ko-KR" altLang="en-US" sz="1200" dirty="0"/>
+              <a:t>신규 생성</a:t>
+            </a:r>
+          </a:p>
+        </p:txBody>
+      </p:sp>
+      <p:sp>
+        <p:nvSpPr>
+          <p:cNvPr id="14" name="직사각형 13">
+            <a:extLst>
+              <a:ext uri="{FF2B5EF4-FFF2-40B4-BE49-F238E27FC236}">
+                <a16:creationId xmlns:a16="http://schemas.microsoft.com/office/drawing/2014/main" id="{61A83834-71AD-4A72-86F0-07E7077B9E0B}"/>
               </a:ext>
             </a:extLst>
           </p:cNvPr>
@@ -4194,7 +4262,2306 @@
         </p:nvSpPr>
         <p:spPr>
           <a:xfrm>
-            <a:off x="1116225" y="4764563"/>
+            <a:off x="8188569" y="3256324"/>
+            <a:ext cx="1822142" cy="470837"/>
+          </a:xfrm>
+          <a:prstGeom prst="rect">
+            <a:avLst/>
+          </a:prstGeom>
+        </p:spPr>
+        <p:style>
+          <a:lnRef idx="1">
+            <a:schemeClr val="accent2"/>
+          </a:lnRef>
+          <a:fillRef idx="2">
+            <a:schemeClr val="accent2"/>
+          </a:fillRef>
+          <a:effectRef idx="1">
+            <a:schemeClr val="accent2"/>
+          </a:effectRef>
+          <a:fontRef idx="minor">
+            <a:schemeClr val="dk1"/>
+          </a:fontRef>
+        </p:style>
+        <p:txBody>
+          <a:bodyPr rtlCol="0" anchor="ctr"/>
+          <a:lstStyle/>
+          <a:p>
+            <a:pPr algn="ctr"/>
+            <a:r>
+              <a:rPr lang="ko-KR" altLang="en-US" sz="1200" dirty="0"/>
+              <a:t>로컬 버전 테이블 갱신</a:t>
+            </a:r>
+          </a:p>
+        </p:txBody>
+      </p:sp>
+      <p:sp>
+        <p:nvSpPr>
+          <p:cNvPr id="15" name="직사각형 14">
+            <a:extLst>
+              <a:ext uri="{FF2B5EF4-FFF2-40B4-BE49-F238E27FC236}">
+                <a16:creationId xmlns:a16="http://schemas.microsoft.com/office/drawing/2014/main" id="{4BF6554D-DA48-4755-8DE8-C8B52F50C4F9}"/>
+              </a:ext>
+            </a:extLst>
+          </p:cNvPr>
+          <p:cNvSpPr/>
+          <p:nvPr/>
+        </p:nvSpPr>
+        <p:spPr>
+          <a:xfrm>
+            <a:off x="7934600" y="3916590"/>
+            <a:ext cx="2278719" cy="519351"/>
+          </a:xfrm>
+          <a:prstGeom prst="rect">
+            <a:avLst/>
+          </a:prstGeom>
+        </p:spPr>
+        <p:style>
+          <a:lnRef idx="1">
+            <a:schemeClr val="accent2"/>
+          </a:lnRef>
+          <a:fillRef idx="2">
+            <a:schemeClr val="accent2"/>
+          </a:fillRef>
+          <a:effectRef idx="1">
+            <a:schemeClr val="accent2"/>
+          </a:effectRef>
+          <a:fontRef idx="minor">
+            <a:schemeClr val="dk1"/>
+          </a:fontRef>
+        </p:style>
+        <p:txBody>
+          <a:bodyPr rtlCol="0" anchor="ctr"/>
+          <a:lstStyle/>
+          <a:p>
+            <a:pPr algn="ctr"/>
+            <a:r>
+              <a:rPr lang="ko-KR" altLang="en-US" sz="1200" dirty="0" err="1"/>
+              <a:t>에셋</a:t>
+            </a:r>
+            <a:r>
+              <a:rPr lang="ko-KR" altLang="en-US" sz="1200" dirty="0"/>
+              <a:t> 번들 목록 순회 및 </a:t>
+            </a:r>
+            <a:r>
+              <a:rPr lang="en-US" altLang="ko-KR" sz="1200" dirty="0"/>
+              <a:t>load</a:t>
+            </a:r>
+            <a:endParaRPr lang="ko-KR" altLang="en-US" sz="1200" dirty="0"/>
+          </a:p>
+        </p:txBody>
+      </p:sp>
+      <p:sp>
+        <p:nvSpPr>
+          <p:cNvPr id="16" name="직사각형 15">
+            <a:extLst>
+              <a:ext uri="{FF2B5EF4-FFF2-40B4-BE49-F238E27FC236}">
+                <a16:creationId xmlns:a16="http://schemas.microsoft.com/office/drawing/2014/main" id="{7568CFC0-918B-4917-8EE8-EA906D1F4DE5}"/>
+              </a:ext>
+            </a:extLst>
+          </p:cNvPr>
+          <p:cNvSpPr/>
+          <p:nvPr/>
+        </p:nvSpPr>
+        <p:spPr>
+          <a:xfrm>
+            <a:off x="8168873" y="1902318"/>
+            <a:ext cx="1766227" cy="456389"/>
+          </a:xfrm>
+          <a:prstGeom prst="rect">
+            <a:avLst/>
+          </a:prstGeom>
+        </p:spPr>
+        <p:style>
+          <a:lnRef idx="1">
+            <a:schemeClr val="accent2"/>
+          </a:lnRef>
+          <a:fillRef idx="2">
+            <a:schemeClr val="accent2"/>
+          </a:fillRef>
+          <a:effectRef idx="1">
+            <a:schemeClr val="accent2"/>
+          </a:effectRef>
+          <a:fontRef idx="minor">
+            <a:schemeClr val="dk1"/>
+          </a:fontRef>
+        </p:style>
+        <p:txBody>
+          <a:bodyPr rtlCol="0" anchor="ctr"/>
+          <a:lstStyle/>
+          <a:p>
+            <a:pPr algn="ctr"/>
+            <a:r>
+              <a:rPr lang="ko-KR" altLang="en-US" sz="1200"/>
+              <a:t>로컬 </a:t>
+            </a:r>
+            <a:r>
+              <a:rPr lang="ko-KR" altLang="en-US" sz="1200" dirty="0"/>
+              <a:t>버전 테이블 조회</a:t>
+            </a:r>
+          </a:p>
+        </p:txBody>
+      </p:sp>
+    </p:spTree>
+    <p:extLst>
+      <p:ext uri="{BB962C8B-B14F-4D97-AF65-F5344CB8AC3E}">
+        <p14:creationId xmlns:p14="http://schemas.microsoft.com/office/powerpoint/2010/main" val="881593450"/>
+      </p:ext>
+    </p:extLst>
+  </p:cSld>
+  <p:clrMapOvr>
+    <a:masterClrMapping/>
+  </p:clrMapOvr>
+</p:sld>
+</file>
+
+<file path=ppt/slides/slide12.xml><?xml version="1.0" encoding="utf-8"?>
+<p:sld xmlns:a="http://schemas.openxmlformats.org/drawingml/2006/main" xmlns:r="http://schemas.openxmlformats.org/officeDocument/2006/relationships" xmlns:p="http://schemas.openxmlformats.org/presentationml/2006/main">
+  <p:cSld>
+    <p:spTree>
+      <p:nvGrpSpPr>
+        <p:cNvPr id="1" name=""/>
+        <p:cNvGrpSpPr/>
+        <p:nvPr/>
+      </p:nvGrpSpPr>
+      <p:grpSpPr>
+        <a:xfrm>
+          <a:off x="0" y="0"/>
+          <a:ext cx="0" cy="0"/>
+          <a:chOff x="0" y="0"/>
+          <a:chExt cx="0" cy="0"/>
+        </a:xfrm>
+      </p:grpSpPr>
+      <p:grpSp>
+        <p:nvGrpSpPr>
+          <p:cNvPr id="66" name="그룹 65">
+            <a:extLst>
+              <a:ext uri="{FF2B5EF4-FFF2-40B4-BE49-F238E27FC236}">
+                <a16:creationId xmlns:a16="http://schemas.microsoft.com/office/drawing/2014/main" id="{FB8AAA4A-6452-43EB-AF22-0D8657CC69F1}"/>
+              </a:ext>
+            </a:extLst>
+          </p:cNvPr>
+          <p:cNvGrpSpPr/>
+          <p:nvPr/>
+        </p:nvGrpSpPr>
+        <p:grpSpPr>
+          <a:xfrm>
+            <a:off x="0" y="-1"/>
+            <a:ext cx="4064788" cy="2316257"/>
+            <a:chOff x="2318865" y="1829040"/>
+            <a:chExt cx="6390795" cy="3634346"/>
+          </a:xfrm>
+        </p:grpSpPr>
+        <p:sp>
+          <p:nvSpPr>
+            <p:cNvPr id="2" name="사각형: 둥근 모서리 1">
+              <a:extLst>
+                <a:ext uri="{FF2B5EF4-FFF2-40B4-BE49-F238E27FC236}">
+                  <a16:creationId xmlns:a16="http://schemas.microsoft.com/office/drawing/2014/main" id="{F1547D52-D8F8-4072-BAE1-670203E6D4CD}"/>
+                </a:ext>
+              </a:extLst>
+            </p:cNvPr>
+            <p:cNvSpPr/>
+            <p:nvPr/>
+          </p:nvSpPr>
+          <p:spPr>
+            <a:xfrm>
+              <a:off x="2520315" y="2617789"/>
+              <a:ext cx="713033" cy="811243"/>
+            </a:xfrm>
+            <a:prstGeom prst="roundRect">
+              <a:avLst/>
+            </a:prstGeom>
+          </p:spPr>
+          <p:style>
+            <a:lnRef idx="1">
+              <a:schemeClr val="accent6"/>
+            </a:lnRef>
+            <a:fillRef idx="3">
+              <a:schemeClr val="accent6"/>
+            </a:fillRef>
+            <a:effectRef idx="2">
+              <a:schemeClr val="accent6"/>
+            </a:effectRef>
+            <a:fontRef idx="minor">
+              <a:schemeClr val="lt1"/>
+            </a:fontRef>
+          </p:style>
+          <p:txBody>
+            <a:bodyPr rtlCol="0" anchor="ctr"/>
+            <a:lstStyle/>
+            <a:p>
+              <a:pPr algn="ctr"/>
+              <a:r>
+                <a:rPr lang="ko-KR" altLang="en-US" sz="800" dirty="0" err="1"/>
+                <a:t>에셋</a:t>
+              </a:r>
+              <a:r>
+                <a:rPr lang="ko-KR" altLang="en-US" sz="800" dirty="0"/>
+                <a:t> 번들</a:t>
+              </a:r>
+            </a:p>
+          </p:txBody>
+        </p:sp>
+        <p:sp>
+          <p:nvSpPr>
+            <p:cNvPr id="6" name="사각형: 모서리가 접힌 도형 5">
+              <a:extLst>
+                <a:ext uri="{FF2B5EF4-FFF2-40B4-BE49-F238E27FC236}">
+                  <a16:creationId xmlns:a16="http://schemas.microsoft.com/office/drawing/2014/main" id="{818D8DEC-84BE-4E1A-ABDA-90D12A57255D}"/>
+                </a:ext>
+              </a:extLst>
+            </p:cNvPr>
+            <p:cNvSpPr/>
+            <p:nvPr/>
+          </p:nvSpPr>
+          <p:spPr>
+            <a:xfrm>
+              <a:off x="4479343" y="3512331"/>
+              <a:ext cx="1410916" cy="1056511"/>
+            </a:xfrm>
+            <a:prstGeom prst="foldedCorner">
+              <a:avLst>
+                <a:gd name="adj" fmla="val 34366"/>
+              </a:avLst>
+            </a:prstGeom>
+            <a:ln/>
+          </p:spPr>
+          <p:style>
+            <a:lnRef idx="1">
+              <a:schemeClr val="accent3"/>
+            </a:lnRef>
+            <a:fillRef idx="3">
+              <a:schemeClr val="accent3"/>
+            </a:fillRef>
+            <a:effectRef idx="2">
+              <a:schemeClr val="accent3"/>
+            </a:effectRef>
+            <a:fontRef idx="minor">
+              <a:schemeClr val="lt1"/>
+            </a:fontRef>
+          </p:style>
+          <p:txBody>
+            <a:bodyPr rtlCol="0" anchor="ctr"/>
+            <a:lstStyle/>
+            <a:p>
+              <a:pPr algn="ctr"/>
+              <a:endParaRPr lang="en-US" altLang="ko-KR" sz="700" dirty="0">
+                <a:solidFill>
+                  <a:schemeClr val="bg1"/>
+                </a:solidFill>
+              </a:endParaRPr>
+            </a:p>
+            <a:p>
+              <a:pPr algn="ctr"/>
+              <a:endParaRPr lang="en-US" altLang="ko-KR" sz="700" dirty="0">
+                <a:solidFill>
+                  <a:schemeClr val="bg1"/>
+                </a:solidFill>
+              </a:endParaRPr>
+            </a:p>
+            <a:p>
+              <a:pPr algn="ctr"/>
+              <a:r>
+                <a:rPr lang="en-US" altLang="ko-KR" sz="700" dirty="0" err="1">
+                  <a:solidFill>
+                    <a:schemeClr val="bg1"/>
+                  </a:solidFill>
+                </a:rPr>
+                <a:t>DataContainer</a:t>
+              </a:r>
+              <a:endParaRPr lang="ko-KR" altLang="en-US" sz="700" dirty="0">
+                <a:solidFill>
+                  <a:schemeClr val="bg1"/>
+                </a:solidFill>
+              </a:endParaRPr>
+            </a:p>
+          </p:txBody>
+        </p:sp>
+        <p:sp>
+          <p:nvSpPr>
+            <p:cNvPr id="11" name="사각형: 둥근 모서리 10">
+              <a:extLst>
+                <a:ext uri="{FF2B5EF4-FFF2-40B4-BE49-F238E27FC236}">
+                  <a16:creationId xmlns:a16="http://schemas.microsoft.com/office/drawing/2014/main" id="{4EFC1139-FE0A-40AB-A8D6-F0C34E558747}"/>
+                </a:ext>
+              </a:extLst>
+            </p:cNvPr>
+            <p:cNvSpPr/>
+            <p:nvPr/>
+          </p:nvSpPr>
+          <p:spPr>
+            <a:xfrm>
+              <a:off x="2511368" y="3634965"/>
+              <a:ext cx="713033" cy="811243"/>
+            </a:xfrm>
+            <a:prstGeom prst="roundRect">
+              <a:avLst/>
+            </a:prstGeom>
+          </p:spPr>
+          <p:style>
+            <a:lnRef idx="1">
+              <a:schemeClr val="accent6"/>
+            </a:lnRef>
+            <a:fillRef idx="3">
+              <a:schemeClr val="accent6"/>
+            </a:fillRef>
+            <a:effectRef idx="2">
+              <a:schemeClr val="accent6"/>
+            </a:effectRef>
+            <a:fontRef idx="minor">
+              <a:schemeClr val="lt1"/>
+            </a:fontRef>
+          </p:style>
+          <p:txBody>
+            <a:bodyPr rtlCol="0" anchor="ctr"/>
+            <a:lstStyle/>
+            <a:p>
+              <a:pPr algn="ctr"/>
+              <a:r>
+                <a:rPr lang="ko-KR" altLang="en-US" sz="800" dirty="0" err="1"/>
+                <a:t>에셋</a:t>
+              </a:r>
+              <a:r>
+                <a:rPr lang="ko-KR" altLang="en-US" sz="800" dirty="0"/>
+                <a:t> 번들</a:t>
+              </a:r>
+            </a:p>
+          </p:txBody>
+        </p:sp>
+        <p:sp>
+          <p:nvSpPr>
+            <p:cNvPr id="12" name="사각형: 둥근 모서리 11">
+              <a:extLst>
+                <a:ext uri="{FF2B5EF4-FFF2-40B4-BE49-F238E27FC236}">
+                  <a16:creationId xmlns:a16="http://schemas.microsoft.com/office/drawing/2014/main" id="{7C6AA33C-37B5-4D03-AFFF-22824F0B7BCE}"/>
+                </a:ext>
+              </a:extLst>
+            </p:cNvPr>
+            <p:cNvSpPr/>
+            <p:nvPr/>
+          </p:nvSpPr>
+          <p:spPr>
+            <a:xfrm>
+              <a:off x="2520358" y="4652143"/>
+              <a:ext cx="713033" cy="811243"/>
+            </a:xfrm>
+            <a:prstGeom prst="roundRect">
+              <a:avLst/>
+            </a:prstGeom>
+          </p:spPr>
+          <p:style>
+            <a:lnRef idx="1">
+              <a:schemeClr val="accent6"/>
+            </a:lnRef>
+            <a:fillRef idx="3">
+              <a:schemeClr val="accent6"/>
+            </a:fillRef>
+            <a:effectRef idx="2">
+              <a:schemeClr val="accent6"/>
+            </a:effectRef>
+            <a:fontRef idx="minor">
+              <a:schemeClr val="lt1"/>
+            </a:fontRef>
+          </p:style>
+          <p:txBody>
+            <a:bodyPr rtlCol="0" anchor="ctr"/>
+            <a:lstStyle/>
+            <a:p>
+              <a:pPr algn="ctr"/>
+              <a:r>
+                <a:rPr lang="ko-KR" altLang="en-US" sz="800" dirty="0" err="1"/>
+                <a:t>에셋</a:t>
+              </a:r>
+              <a:r>
+                <a:rPr lang="ko-KR" altLang="en-US" sz="800" dirty="0"/>
+                <a:t> 번들</a:t>
+              </a:r>
+            </a:p>
+          </p:txBody>
+        </p:sp>
+        <p:sp>
+          <p:nvSpPr>
+            <p:cNvPr id="16" name="사각형: 둥근 모서리 15">
+              <a:extLst>
+                <a:ext uri="{FF2B5EF4-FFF2-40B4-BE49-F238E27FC236}">
+                  <a16:creationId xmlns:a16="http://schemas.microsoft.com/office/drawing/2014/main" id="{FAC5373A-5F2D-44CC-BF9D-56CD8A8A6C41}"/>
+                </a:ext>
+              </a:extLst>
+            </p:cNvPr>
+            <p:cNvSpPr/>
+            <p:nvPr/>
+          </p:nvSpPr>
+          <p:spPr>
+            <a:xfrm>
+              <a:off x="7300822" y="3270694"/>
+              <a:ext cx="1256434" cy="1569867"/>
+            </a:xfrm>
+            <a:prstGeom prst="roundRect">
+              <a:avLst/>
+            </a:prstGeom>
+          </p:spPr>
+          <p:style>
+            <a:lnRef idx="1">
+              <a:schemeClr val="accent5"/>
+            </a:lnRef>
+            <a:fillRef idx="3">
+              <a:schemeClr val="accent5"/>
+            </a:fillRef>
+            <a:effectRef idx="2">
+              <a:schemeClr val="accent5"/>
+            </a:effectRef>
+            <a:fontRef idx="minor">
+              <a:schemeClr val="lt1"/>
+            </a:fontRef>
+          </p:style>
+          <p:txBody>
+            <a:bodyPr rtlCol="0" anchor="ctr"/>
+            <a:lstStyle/>
+            <a:p>
+              <a:pPr algn="ctr"/>
+              <a:r>
+                <a:rPr lang="ko-KR" altLang="en-US" sz="1000" dirty="0"/>
+                <a:t>런타임</a:t>
+              </a:r>
+            </a:p>
+          </p:txBody>
+        </p:sp>
+        <p:cxnSp>
+          <p:nvCxnSpPr>
+            <p:cNvPr id="19" name="직선 화살표 연결선 18">
+              <a:extLst>
+                <a:ext uri="{FF2B5EF4-FFF2-40B4-BE49-F238E27FC236}">
+                  <a16:creationId xmlns:a16="http://schemas.microsoft.com/office/drawing/2014/main" id="{4CF544A4-E139-45FC-B324-6154D01EEC81}"/>
+                </a:ext>
+              </a:extLst>
+            </p:cNvPr>
+            <p:cNvCxnSpPr>
+              <a:cxnSpLocks/>
+            </p:cNvCxnSpPr>
+            <p:nvPr/>
+          </p:nvCxnSpPr>
+          <p:spPr>
+            <a:xfrm flipV="1">
+              <a:off x="3436525" y="4399046"/>
+              <a:ext cx="914420" cy="658718"/>
+            </a:xfrm>
+            <a:prstGeom prst="straightConnector1">
+              <a:avLst/>
+            </a:prstGeom>
+            <a:ln w="76200">
+              <a:solidFill>
+                <a:schemeClr val="tx1"/>
+              </a:solidFill>
+              <a:tailEnd type="triangle"/>
+            </a:ln>
+          </p:spPr>
+          <p:style>
+            <a:lnRef idx="1">
+              <a:schemeClr val="accent1"/>
+            </a:lnRef>
+            <a:fillRef idx="0">
+              <a:schemeClr val="accent1"/>
+            </a:fillRef>
+            <a:effectRef idx="0">
+              <a:schemeClr val="accent1"/>
+            </a:effectRef>
+            <a:fontRef idx="minor">
+              <a:schemeClr val="tx1"/>
+            </a:fontRef>
+          </p:style>
+        </p:cxnSp>
+        <p:grpSp>
+          <p:nvGrpSpPr>
+            <p:cNvPr id="43" name="그룹 42">
+              <a:extLst>
+                <a:ext uri="{FF2B5EF4-FFF2-40B4-BE49-F238E27FC236}">
+                  <a16:creationId xmlns:a16="http://schemas.microsoft.com/office/drawing/2014/main" id="{3C40192A-4E93-4A41-8D7F-32053E97E475}"/>
+                </a:ext>
+              </a:extLst>
+            </p:cNvPr>
+            <p:cNvGrpSpPr/>
+            <p:nvPr/>
+          </p:nvGrpSpPr>
+          <p:grpSpPr>
+            <a:xfrm>
+              <a:off x="2318865" y="2242225"/>
+              <a:ext cx="2489353" cy="326008"/>
+              <a:chOff x="1437503" y="1980168"/>
+              <a:chExt cx="3591697" cy="326006"/>
+            </a:xfrm>
+          </p:grpSpPr>
+          <p:cxnSp>
+            <p:nvCxnSpPr>
+              <p:cNvPr id="38" name="직선 연결선 37">
+                <a:extLst>
+                  <a:ext uri="{FF2B5EF4-FFF2-40B4-BE49-F238E27FC236}">
+                    <a16:creationId xmlns:a16="http://schemas.microsoft.com/office/drawing/2014/main" id="{9D0536C0-7AA3-476A-9AA4-BAEC1F7897C0}"/>
+                  </a:ext>
+                </a:extLst>
+              </p:cNvPr>
+              <p:cNvCxnSpPr>
+                <a:cxnSpLocks/>
+              </p:cNvCxnSpPr>
+              <p:nvPr/>
+            </p:nvCxnSpPr>
+            <p:spPr>
+              <a:xfrm>
+                <a:off x="1437503" y="2018270"/>
+                <a:ext cx="3591697" cy="0"/>
+              </a:xfrm>
+              <a:prstGeom prst="line">
+                <a:avLst/>
+              </a:prstGeom>
+              <a:ln w="76200">
+                <a:solidFill>
+                  <a:schemeClr val="accent2">
+                    <a:lumMod val="75000"/>
+                  </a:schemeClr>
+                </a:solidFill>
+              </a:ln>
+            </p:spPr>
+            <p:style>
+              <a:lnRef idx="1">
+                <a:schemeClr val="accent1"/>
+              </a:lnRef>
+              <a:fillRef idx="0">
+                <a:schemeClr val="accent1"/>
+              </a:fillRef>
+              <a:effectRef idx="0">
+                <a:schemeClr val="accent1"/>
+              </a:effectRef>
+              <a:fontRef idx="minor">
+                <a:schemeClr val="tx1"/>
+              </a:fontRef>
+            </p:style>
+          </p:cxnSp>
+          <p:cxnSp>
+            <p:nvCxnSpPr>
+              <p:cNvPr id="39" name="직선 연결선 38">
+                <a:extLst>
+                  <a:ext uri="{FF2B5EF4-FFF2-40B4-BE49-F238E27FC236}">
+                    <a16:creationId xmlns:a16="http://schemas.microsoft.com/office/drawing/2014/main" id="{4E90AFA0-2629-434B-B9DD-26C01FF75EF1}"/>
+                  </a:ext>
+                </a:extLst>
+              </p:cNvPr>
+              <p:cNvCxnSpPr>
+                <a:cxnSpLocks/>
+              </p:cNvCxnSpPr>
+              <p:nvPr/>
+            </p:nvCxnSpPr>
+            <p:spPr>
+              <a:xfrm>
+                <a:off x="1477342" y="1980168"/>
+                <a:ext cx="0" cy="326006"/>
+              </a:xfrm>
+              <a:prstGeom prst="line">
+                <a:avLst/>
+              </a:prstGeom>
+              <a:ln w="76200">
+                <a:solidFill>
+                  <a:schemeClr val="accent2">
+                    <a:lumMod val="75000"/>
+                  </a:schemeClr>
+                </a:solidFill>
+              </a:ln>
+            </p:spPr>
+            <p:style>
+              <a:lnRef idx="1">
+                <a:schemeClr val="accent1"/>
+              </a:lnRef>
+              <a:fillRef idx="0">
+                <a:schemeClr val="accent1"/>
+              </a:fillRef>
+              <a:effectRef idx="0">
+                <a:schemeClr val="accent1"/>
+              </a:effectRef>
+              <a:fontRef idx="minor">
+                <a:schemeClr val="tx1"/>
+              </a:fontRef>
+            </p:style>
+          </p:cxnSp>
+          <p:cxnSp>
+            <p:nvCxnSpPr>
+              <p:cNvPr id="42" name="직선 연결선 41">
+                <a:extLst>
+                  <a:ext uri="{FF2B5EF4-FFF2-40B4-BE49-F238E27FC236}">
+                    <a16:creationId xmlns:a16="http://schemas.microsoft.com/office/drawing/2014/main" id="{AFD63943-7227-44AC-ABB5-A73E6299B1FB}"/>
+                  </a:ext>
+                </a:extLst>
+              </p:cNvPr>
+              <p:cNvCxnSpPr>
+                <a:cxnSpLocks/>
+              </p:cNvCxnSpPr>
+              <p:nvPr/>
+            </p:nvCxnSpPr>
+            <p:spPr>
+              <a:xfrm>
+                <a:off x="4993481" y="1980168"/>
+                <a:ext cx="0" cy="326006"/>
+              </a:xfrm>
+              <a:prstGeom prst="line">
+                <a:avLst/>
+              </a:prstGeom>
+              <a:ln w="76200">
+                <a:solidFill>
+                  <a:schemeClr val="accent2">
+                    <a:lumMod val="75000"/>
+                  </a:schemeClr>
+                </a:solidFill>
+              </a:ln>
+            </p:spPr>
+            <p:style>
+              <a:lnRef idx="1">
+                <a:schemeClr val="accent1"/>
+              </a:lnRef>
+              <a:fillRef idx="0">
+                <a:schemeClr val="accent1"/>
+              </a:fillRef>
+              <a:effectRef idx="0">
+                <a:schemeClr val="accent1"/>
+              </a:effectRef>
+              <a:fontRef idx="minor">
+                <a:schemeClr val="tx1"/>
+              </a:fontRef>
+            </p:style>
+          </p:cxnSp>
+        </p:grpSp>
+        <p:grpSp>
+          <p:nvGrpSpPr>
+            <p:cNvPr id="44" name="그룹 43">
+              <a:extLst>
+                <a:ext uri="{FF2B5EF4-FFF2-40B4-BE49-F238E27FC236}">
+                  <a16:creationId xmlns:a16="http://schemas.microsoft.com/office/drawing/2014/main" id="{AD4EEE1F-2366-461B-9E60-A5EF7E5DC030}"/>
+                </a:ext>
+              </a:extLst>
+            </p:cNvPr>
+            <p:cNvGrpSpPr/>
+            <p:nvPr/>
+          </p:nvGrpSpPr>
+          <p:grpSpPr>
+            <a:xfrm>
+              <a:off x="5616442" y="2242226"/>
+              <a:ext cx="3093218" cy="326009"/>
+              <a:chOff x="1437503" y="1980168"/>
+              <a:chExt cx="3591697" cy="326006"/>
+            </a:xfrm>
+          </p:grpSpPr>
+          <p:cxnSp>
+            <p:nvCxnSpPr>
+              <p:cNvPr id="45" name="직선 연결선 44">
+                <a:extLst>
+                  <a:ext uri="{FF2B5EF4-FFF2-40B4-BE49-F238E27FC236}">
+                    <a16:creationId xmlns:a16="http://schemas.microsoft.com/office/drawing/2014/main" id="{3D1CB7E0-9DEA-4836-A27B-A7B2F10C1581}"/>
+                  </a:ext>
+                </a:extLst>
+              </p:cNvPr>
+              <p:cNvCxnSpPr>
+                <a:cxnSpLocks/>
+              </p:cNvCxnSpPr>
+              <p:nvPr/>
+            </p:nvCxnSpPr>
+            <p:spPr>
+              <a:xfrm>
+                <a:off x="1437503" y="2018270"/>
+                <a:ext cx="3591697" cy="0"/>
+              </a:xfrm>
+              <a:prstGeom prst="line">
+                <a:avLst/>
+              </a:prstGeom>
+              <a:ln w="76200">
+                <a:solidFill>
+                  <a:schemeClr val="accent2">
+                    <a:lumMod val="75000"/>
+                  </a:schemeClr>
+                </a:solidFill>
+              </a:ln>
+            </p:spPr>
+            <p:style>
+              <a:lnRef idx="1">
+                <a:schemeClr val="accent1"/>
+              </a:lnRef>
+              <a:fillRef idx="0">
+                <a:schemeClr val="accent1"/>
+              </a:fillRef>
+              <a:effectRef idx="0">
+                <a:schemeClr val="accent1"/>
+              </a:effectRef>
+              <a:fontRef idx="minor">
+                <a:schemeClr val="tx1"/>
+              </a:fontRef>
+            </p:style>
+          </p:cxnSp>
+          <p:cxnSp>
+            <p:nvCxnSpPr>
+              <p:cNvPr id="46" name="직선 연결선 45">
+                <a:extLst>
+                  <a:ext uri="{FF2B5EF4-FFF2-40B4-BE49-F238E27FC236}">
+                    <a16:creationId xmlns:a16="http://schemas.microsoft.com/office/drawing/2014/main" id="{0B547B5C-41D0-4EEC-B97C-2658B9FBF6E8}"/>
+                  </a:ext>
+                </a:extLst>
+              </p:cNvPr>
+              <p:cNvCxnSpPr>
+                <a:cxnSpLocks/>
+              </p:cNvCxnSpPr>
+              <p:nvPr/>
+            </p:nvCxnSpPr>
+            <p:spPr>
+              <a:xfrm>
+                <a:off x="1477342" y="1980168"/>
+                <a:ext cx="0" cy="326006"/>
+              </a:xfrm>
+              <a:prstGeom prst="line">
+                <a:avLst/>
+              </a:prstGeom>
+              <a:ln w="76200">
+                <a:solidFill>
+                  <a:schemeClr val="accent2">
+                    <a:lumMod val="75000"/>
+                  </a:schemeClr>
+                </a:solidFill>
+              </a:ln>
+            </p:spPr>
+            <p:style>
+              <a:lnRef idx="1">
+                <a:schemeClr val="accent1"/>
+              </a:lnRef>
+              <a:fillRef idx="0">
+                <a:schemeClr val="accent1"/>
+              </a:fillRef>
+              <a:effectRef idx="0">
+                <a:schemeClr val="accent1"/>
+              </a:effectRef>
+              <a:fontRef idx="minor">
+                <a:schemeClr val="tx1"/>
+              </a:fontRef>
+            </p:style>
+          </p:cxnSp>
+          <p:cxnSp>
+            <p:nvCxnSpPr>
+              <p:cNvPr id="47" name="직선 연결선 46">
+                <a:extLst>
+                  <a:ext uri="{FF2B5EF4-FFF2-40B4-BE49-F238E27FC236}">
+                    <a16:creationId xmlns:a16="http://schemas.microsoft.com/office/drawing/2014/main" id="{870C8214-82B4-4D4B-B436-91F405AC899E}"/>
+                  </a:ext>
+                </a:extLst>
+              </p:cNvPr>
+              <p:cNvCxnSpPr>
+                <a:cxnSpLocks/>
+              </p:cNvCxnSpPr>
+              <p:nvPr/>
+            </p:nvCxnSpPr>
+            <p:spPr>
+              <a:xfrm>
+                <a:off x="4993481" y="1980168"/>
+                <a:ext cx="0" cy="326006"/>
+              </a:xfrm>
+              <a:prstGeom prst="line">
+                <a:avLst/>
+              </a:prstGeom>
+              <a:ln w="76200">
+                <a:solidFill>
+                  <a:schemeClr val="accent2">
+                    <a:lumMod val="75000"/>
+                  </a:schemeClr>
+                </a:solidFill>
+              </a:ln>
+            </p:spPr>
+            <p:style>
+              <a:lnRef idx="1">
+                <a:schemeClr val="accent1"/>
+              </a:lnRef>
+              <a:fillRef idx="0">
+                <a:schemeClr val="accent1"/>
+              </a:fillRef>
+              <a:effectRef idx="0">
+                <a:schemeClr val="accent1"/>
+              </a:effectRef>
+              <a:fontRef idx="minor">
+                <a:schemeClr val="tx1"/>
+              </a:fontRef>
+            </p:style>
+          </p:cxnSp>
+        </p:grpSp>
+        <p:sp>
+          <p:nvSpPr>
+            <p:cNvPr id="48" name="TextBox 47">
+              <a:extLst>
+                <a:ext uri="{FF2B5EF4-FFF2-40B4-BE49-F238E27FC236}">
+                  <a16:creationId xmlns:a16="http://schemas.microsoft.com/office/drawing/2014/main" id="{B4F7DED6-9B26-440E-B6B4-95F0A57A68AE}"/>
+                </a:ext>
+              </a:extLst>
+            </p:cNvPr>
+            <p:cNvSpPr txBox="1"/>
+            <p:nvPr/>
+          </p:nvSpPr>
+          <p:spPr>
+            <a:xfrm>
+              <a:off x="3224401" y="1860777"/>
+              <a:ext cx="693584" cy="386336"/>
+            </a:xfrm>
+            <a:prstGeom prst="rect">
+              <a:avLst/>
+            </a:prstGeom>
+            <a:noFill/>
+          </p:spPr>
+          <p:txBody>
+            <a:bodyPr wrap="none" rtlCol="0">
+              <a:spAutoFit/>
+            </a:bodyPr>
+            <a:lstStyle/>
+            <a:p>
+              <a:r>
+                <a:rPr lang="ko-KR" altLang="en-US" sz="1000" dirty="0"/>
+                <a:t>패치</a:t>
+              </a:r>
+            </a:p>
+          </p:txBody>
+        </p:sp>
+        <p:sp>
+          <p:nvSpPr>
+            <p:cNvPr id="49" name="TextBox 48">
+              <a:extLst>
+                <a:ext uri="{FF2B5EF4-FFF2-40B4-BE49-F238E27FC236}">
+                  <a16:creationId xmlns:a16="http://schemas.microsoft.com/office/drawing/2014/main" id="{C6A1F375-EFEC-4AF6-A6AE-53466E1F3436}"/>
+                </a:ext>
+              </a:extLst>
+            </p:cNvPr>
+            <p:cNvSpPr txBox="1"/>
+            <p:nvPr/>
+          </p:nvSpPr>
+          <p:spPr>
+            <a:xfrm>
+              <a:off x="6724469" y="1829040"/>
+              <a:ext cx="895209" cy="386335"/>
+            </a:xfrm>
+            <a:prstGeom prst="rect">
+              <a:avLst/>
+            </a:prstGeom>
+            <a:noFill/>
+          </p:spPr>
+          <p:txBody>
+            <a:bodyPr wrap="none" rtlCol="0">
+              <a:spAutoFit/>
+            </a:bodyPr>
+            <a:lstStyle/>
+            <a:p>
+              <a:r>
+                <a:rPr lang="ko-KR" altLang="en-US" sz="1000" dirty="0"/>
+                <a:t>런타임</a:t>
+              </a:r>
+            </a:p>
+          </p:txBody>
+        </p:sp>
+        <p:cxnSp>
+          <p:nvCxnSpPr>
+            <p:cNvPr id="50" name="직선 화살표 연결선 49">
+              <a:extLst>
+                <a:ext uri="{FF2B5EF4-FFF2-40B4-BE49-F238E27FC236}">
+                  <a16:creationId xmlns:a16="http://schemas.microsoft.com/office/drawing/2014/main" id="{D2150019-6F97-43D1-BF6A-D237C974A160}"/>
+                </a:ext>
+              </a:extLst>
+            </p:cNvPr>
+            <p:cNvCxnSpPr>
+              <a:cxnSpLocks/>
+            </p:cNvCxnSpPr>
+            <p:nvPr/>
+          </p:nvCxnSpPr>
+          <p:spPr>
+            <a:xfrm>
+              <a:off x="3352799" y="4055627"/>
+              <a:ext cx="998146" cy="28929"/>
+            </a:xfrm>
+            <a:prstGeom prst="straightConnector1">
+              <a:avLst/>
+            </a:prstGeom>
+            <a:ln w="76200">
+              <a:solidFill>
+                <a:schemeClr val="tx1"/>
+              </a:solidFill>
+              <a:tailEnd type="triangle"/>
+            </a:ln>
+          </p:spPr>
+          <p:style>
+            <a:lnRef idx="1">
+              <a:schemeClr val="accent1"/>
+            </a:lnRef>
+            <a:fillRef idx="0">
+              <a:schemeClr val="accent1"/>
+            </a:fillRef>
+            <a:effectRef idx="0">
+              <a:schemeClr val="accent1"/>
+            </a:effectRef>
+            <a:fontRef idx="minor">
+              <a:schemeClr val="tx1"/>
+            </a:fontRef>
+          </p:style>
+        </p:cxnSp>
+        <p:cxnSp>
+          <p:nvCxnSpPr>
+            <p:cNvPr id="52" name="직선 화살표 연결선 51">
+              <a:extLst>
+                <a:ext uri="{FF2B5EF4-FFF2-40B4-BE49-F238E27FC236}">
+                  <a16:creationId xmlns:a16="http://schemas.microsoft.com/office/drawing/2014/main" id="{72A17158-14C7-456E-9FBF-ADD1C35B2B28}"/>
+                </a:ext>
+              </a:extLst>
+            </p:cNvPr>
+            <p:cNvCxnSpPr>
+              <a:cxnSpLocks/>
+            </p:cNvCxnSpPr>
+            <p:nvPr/>
+          </p:nvCxnSpPr>
+          <p:spPr>
+            <a:xfrm>
+              <a:off x="3421380" y="3063266"/>
+              <a:ext cx="929566" cy="678185"/>
+            </a:xfrm>
+            <a:prstGeom prst="straightConnector1">
+              <a:avLst/>
+            </a:prstGeom>
+            <a:ln w="76200">
+              <a:solidFill>
+                <a:schemeClr val="tx1"/>
+              </a:solidFill>
+              <a:tailEnd type="triangle"/>
+            </a:ln>
+          </p:spPr>
+          <p:style>
+            <a:lnRef idx="1">
+              <a:schemeClr val="accent1"/>
+            </a:lnRef>
+            <a:fillRef idx="0">
+              <a:schemeClr val="accent1"/>
+            </a:fillRef>
+            <a:effectRef idx="0">
+              <a:schemeClr val="accent1"/>
+            </a:effectRef>
+            <a:fontRef idx="minor">
+              <a:schemeClr val="tx1"/>
+            </a:fontRef>
+          </p:style>
+        </p:cxnSp>
+        <p:cxnSp>
+          <p:nvCxnSpPr>
+            <p:cNvPr id="54" name="직선 화살표 연결선 53">
+              <a:extLst>
+                <a:ext uri="{FF2B5EF4-FFF2-40B4-BE49-F238E27FC236}">
+                  <a16:creationId xmlns:a16="http://schemas.microsoft.com/office/drawing/2014/main" id="{853C507B-558B-4C98-BD8B-301C7CD61493}"/>
+                </a:ext>
+              </a:extLst>
+            </p:cNvPr>
+            <p:cNvCxnSpPr>
+              <a:cxnSpLocks/>
+            </p:cNvCxnSpPr>
+            <p:nvPr/>
+          </p:nvCxnSpPr>
+          <p:spPr>
+            <a:xfrm>
+              <a:off x="6018660" y="4055591"/>
+              <a:ext cx="1153766" cy="15041"/>
+            </a:xfrm>
+            <a:prstGeom prst="straightConnector1">
+              <a:avLst/>
+            </a:prstGeom>
+            <a:ln w="76200">
+              <a:solidFill>
+                <a:schemeClr val="tx1"/>
+              </a:solidFill>
+              <a:tailEnd type="triangle"/>
+            </a:ln>
+          </p:spPr>
+          <p:style>
+            <a:lnRef idx="1">
+              <a:schemeClr val="accent1"/>
+            </a:lnRef>
+            <a:fillRef idx="0">
+              <a:schemeClr val="accent1"/>
+            </a:fillRef>
+            <a:effectRef idx="0">
+              <a:schemeClr val="accent1"/>
+            </a:effectRef>
+            <a:fontRef idx="minor">
+              <a:schemeClr val="tx1"/>
+            </a:fontRef>
+          </p:style>
+        </p:cxnSp>
+      </p:grpSp>
+      <p:sp>
+        <p:nvSpPr>
+          <p:cNvPr id="76" name="사각형: 둥근 모서리 75">
+            <a:extLst>
+              <a:ext uri="{FF2B5EF4-FFF2-40B4-BE49-F238E27FC236}">
+                <a16:creationId xmlns:a16="http://schemas.microsoft.com/office/drawing/2014/main" id="{7E77E25F-5DBF-402E-AE41-CF3C0643E486}"/>
+              </a:ext>
+            </a:extLst>
+          </p:cNvPr>
+          <p:cNvSpPr/>
+          <p:nvPr/>
+        </p:nvSpPr>
+        <p:spPr>
+          <a:xfrm>
+            <a:off x="7925460" y="212592"/>
+            <a:ext cx="989663" cy="517025"/>
+          </a:xfrm>
+          <a:prstGeom prst="roundRect">
+            <a:avLst/>
+          </a:prstGeom>
+        </p:spPr>
+        <p:style>
+          <a:lnRef idx="1">
+            <a:schemeClr val="accent5"/>
+          </a:lnRef>
+          <a:fillRef idx="3">
+            <a:schemeClr val="accent5"/>
+          </a:fillRef>
+          <a:effectRef idx="2">
+            <a:schemeClr val="accent5"/>
+          </a:effectRef>
+          <a:fontRef idx="minor">
+            <a:schemeClr val="lt1"/>
+          </a:fontRef>
+        </p:style>
+        <p:txBody>
+          <a:bodyPr rtlCol="0" anchor="ctr"/>
+          <a:lstStyle/>
+          <a:p>
+            <a:pPr algn="ctr"/>
+            <a:r>
+              <a:rPr lang="en-US" altLang="ko-KR" sz="900" dirty="0"/>
+              <a:t>Building</a:t>
+            </a:r>
+          </a:p>
+          <a:p>
+            <a:pPr algn="ctr"/>
+            <a:r>
+              <a:rPr lang="en-US" altLang="ko-KR" sz="900" dirty="0" err="1"/>
+              <a:t>AssetBundles</a:t>
+            </a:r>
+            <a:endParaRPr lang="ko-KR" altLang="en-US" sz="900" dirty="0"/>
+          </a:p>
+        </p:txBody>
+      </p:sp>
+      <p:cxnSp>
+        <p:nvCxnSpPr>
+          <p:cNvPr id="87" name="직선 화살표 연결선 86">
+            <a:extLst>
+              <a:ext uri="{FF2B5EF4-FFF2-40B4-BE49-F238E27FC236}">
+                <a16:creationId xmlns:a16="http://schemas.microsoft.com/office/drawing/2014/main" id="{9E386AE8-D7D0-467C-929F-C44D0A557595}"/>
+              </a:ext>
+            </a:extLst>
+          </p:cNvPr>
+          <p:cNvCxnSpPr>
+            <a:cxnSpLocks/>
+          </p:cNvCxnSpPr>
+          <p:nvPr/>
+        </p:nvCxnSpPr>
+        <p:spPr>
+          <a:xfrm>
+            <a:off x="8801100" y="729033"/>
+            <a:ext cx="114023" cy="224870"/>
+          </a:xfrm>
+          <a:prstGeom prst="straightConnector1">
+            <a:avLst/>
+          </a:prstGeom>
+          <a:ln w="38100">
+            <a:solidFill>
+              <a:srgbClr val="FF0000"/>
+            </a:solidFill>
+            <a:tailEnd type="triangle"/>
+          </a:ln>
+        </p:spPr>
+        <p:style>
+          <a:lnRef idx="1">
+            <a:schemeClr val="accent1"/>
+          </a:lnRef>
+          <a:fillRef idx="0">
+            <a:schemeClr val="accent1"/>
+          </a:fillRef>
+          <a:effectRef idx="0">
+            <a:schemeClr val="accent1"/>
+          </a:effectRef>
+          <a:fontRef idx="minor">
+            <a:schemeClr val="tx1"/>
+          </a:fontRef>
+        </p:style>
+      </p:cxnSp>
+      <p:sp>
+        <p:nvSpPr>
+          <p:cNvPr id="97" name="사각형: 둥근 모서리 96">
+            <a:extLst>
+              <a:ext uri="{FF2B5EF4-FFF2-40B4-BE49-F238E27FC236}">
+                <a16:creationId xmlns:a16="http://schemas.microsoft.com/office/drawing/2014/main" id="{8B915B7A-E6C8-4447-8504-D845A42D628A}"/>
+              </a:ext>
+            </a:extLst>
+          </p:cNvPr>
+          <p:cNvSpPr/>
+          <p:nvPr/>
+        </p:nvSpPr>
+        <p:spPr>
+          <a:xfrm>
+            <a:off x="6806151" y="952735"/>
+            <a:ext cx="1119309" cy="368050"/>
+          </a:xfrm>
+          <a:prstGeom prst="roundRect">
+            <a:avLst/>
+          </a:prstGeom>
+        </p:spPr>
+        <p:style>
+          <a:lnRef idx="1">
+            <a:schemeClr val="accent5"/>
+          </a:lnRef>
+          <a:fillRef idx="3">
+            <a:schemeClr val="accent5"/>
+          </a:fillRef>
+          <a:effectRef idx="2">
+            <a:schemeClr val="accent5"/>
+          </a:effectRef>
+          <a:fontRef idx="minor">
+            <a:schemeClr val="lt1"/>
+          </a:fontRef>
+        </p:style>
+        <p:txBody>
+          <a:bodyPr rtlCol="0" anchor="ctr"/>
+          <a:lstStyle/>
+          <a:p>
+            <a:pPr algn="ctr"/>
+            <a:r>
+              <a:rPr lang="ko-KR" altLang="en-US" sz="900"/>
+              <a:t>버전 테이블 갱신</a:t>
+            </a:r>
+            <a:endParaRPr lang="ko-KR" altLang="en-US" sz="900" dirty="0"/>
+          </a:p>
+        </p:txBody>
+      </p:sp>
+      <p:sp>
+        <p:nvSpPr>
+          <p:cNvPr id="98" name="사각형: 둥근 모서리 97">
+            <a:extLst>
+              <a:ext uri="{FF2B5EF4-FFF2-40B4-BE49-F238E27FC236}">
+                <a16:creationId xmlns:a16="http://schemas.microsoft.com/office/drawing/2014/main" id="{588649AD-2ACC-43BB-869D-9DC775B2F66D}"/>
+              </a:ext>
+            </a:extLst>
+          </p:cNvPr>
+          <p:cNvSpPr/>
+          <p:nvPr/>
+        </p:nvSpPr>
+        <p:spPr>
+          <a:xfrm>
+            <a:off x="8915123" y="955504"/>
+            <a:ext cx="1095244" cy="368050"/>
+          </a:xfrm>
+          <a:prstGeom prst="roundRect">
+            <a:avLst/>
+          </a:prstGeom>
+        </p:spPr>
+        <p:style>
+          <a:lnRef idx="1">
+            <a:schemeClr val="accent5"/>
+          </a:lnRef>
+          <a:fillRef idx="3">
+            <a:schemeClr val="accent5"/>
+          </a:fillRef>
+          <a:effectRef idx="2">
+            <a:schemeClr val="accent5"/>
+          </a:effectRef>
+          <a:fontRef idx="minor">
+            <a:schemeClr val="lt1"/>
+          </a:fontRef>
+        </p:style>
+        <p:txBody>
+          <a:bodyPr rtlCol="0" anchor="ctr"/>
+          <a:lstStyle/>
+          <a:p>
+            <a:pPr algn="ctr"/>
+            <a:r>
+              <a:rPr lang="en-US" altLang="ko-KR" sz="900" dirty="0" err="1"/>
+              <a:t>AssetBundles</a:t>
+            </a:r>
+            <a:endParaRPr lang="ko-KR" altLang="en-US" sz="900" dirty="0"/>
+          </a:p>
+        </p:txBody>
+      </p:sp>
+      <p:cxnSp>
+        <p:nvCxnSpPr>
+          <p:cNvPr id="110" name="직선 화살표 연결선 109">
+            <a:extLst>
+              <a:ext uri="{FF2B5EF4-FFF2-40B4-BE49-F238E27FC236}">
+                <a16:creationId xmlns:a16="http://schemas.microsoft.com/office/drawing/2014/main" id="{2BEA2C0A-5096-4F7A-8C05-FB8B03EF1594}"/>
+              </a:ext>
+            </a:extLst>
+          </p:cNvPr>
+          <p:cNvCxnSpPr>
+            <a:cxnSpLocks/>
+          </p:cNvCxnSpPr>
+          <p:nvPr/>
+        </p:nvCxnSpPr>
+        <p:spPr>
+          <a:xfrm flipH="1">
+            <a:off x="7969241" y="729033"/>
+            <a:ext cx="127009" cy="224870"/>
+          </a:xfrm>
+          <a:prstGeom prst="straightConnector1">
+            <a:avLst/>
+          </a:prstGeom>
+          <a:ln w="38100">
+            <a:solidFill>
+              <a:srgbClr val="FF0000"/>
+            </a:solidFill>
+            <a:tailEnd type="triangle"/>
+          </a:ln>
+        </p:spPr>
+        <p:style>
+          <a:lnRef idx="1">
+            <a:schemeClr val="accent1"/>
+          </a:lnRef>
+          <a:fillRef idx="0">
+            <a:schemeClr val="accent1"/>
+          </a:fillRef>
+          <a:effectRef idx="0">
+            <a:schemeClr val="accent1"/>
+          </a:effectRef>
+          <a:fontRef idx="minor">
+            <a:schemeClr val="tx1"/>
+          </a:fontRef>
+        </p:style>
+      </p:cxnSp>
+      <p:sp>
+        <p:nvSpPr>
+          <p:cNvPr id="118" name="사각형: 둥근 모서리 117">
+            <a:extLst>
+              <a:ext uri="{FF2B5EF4-FFF2-40B4-BE49-F238E27FC236}">
+                <a16:creationId xmlns:a16="http://schemas.microsoft.com/office/drawing/2014/main" id="{5E863D17-664B-4F34-9CF5-29F61CB5B31E}"/>
+              </a:ext>
+            </a:extLst>
+          </p:cNvPr>
+          <p:cNvSpPr/>
+          <p:nvPr/>
+        </p:nvSpPr>
+        <p:spPr>
+          <a:xfrm>
+            <a:off x="7834685" y="1583040"/>
+            <a:ext cx="1171199" cy="368050"/>
+          </a:xfrm>
+          <a:prstGeom prst="roundRect">
+            <a:avLst/>
+          </a:prstGeom>
+        </p:spPr>
+        <p:style>
+          <a:lnRef idx="1">
+            <a:schemeClr val="accent5"/>
+          </a:lnRef>
+          <a:fillRef idx="3">
+            <a:schemeClr val="accent5"/>
+          </a:fillRef>
+          <a:effectRef idx="2">
+            <a:schemeClr val="accent5"/>
+          </a:effectRef>
+          <a:fontRef idx="minor">
+            <a:schemeClr val="lt1"/>
+          </a:fontRef>
+        </p:style>
+        <p:txBody>
+          <a:bodyPr rtlCol="0" anchor="ctr"/>
+          <a:lstStyle/>
+          <a:p>
+            <a:pPr algn="ctr"/>
+            <a:r>
+              <a:rPr lang="en-US" altLang="ko-KR" sz="900" dirty="0" err="1"/>
+              <a:t>WebServer</a:t>
+            </a:r>
+            <a:r>
+              <a:rPr lang="ko-KR" altLang="en-US" sz="900" dirty="0"/>
+              <a:t>에 저장</a:t>
+            </a:r>
+          </a:p>
+        </p:txBody>
+      </p:sp>
+      <p:sp>
+        <p:nvSpPr>
+          <p:cNvPr id="127" name="사각형: 둥근 모서리 126">
+            <a:extLst>
+              <a:ext uri="{FF2B5EF4-FFF2-40B4-BE49-F238E27FC236}">
+                <a16:creationId xmlns:a16="http://schemas.microsoft.com/office/drawing/2014/main" id="{FB6F7762-B9D4-4913-95B4-C3CA7DB32808}"/>
+              </a:ext>
+            </a:extLst>
+          </p:cNvPr>
+          <p:cNvSpPr/>
+          <p:nvPr/>
+        </p:nvSpPr>
+        <p:spPr>
+          <a:xfrm>
+            <a:off x="7872670" y="2329325"/>
+            <a:ext cx="1095244" cy="368050"/>
+          </a:xfrm>
+          <a:prstGeom prst="roundRect">
+            <a:avLst/>
+          </a:prstGeom>
+        </p:spPr>
+        <p:style>
+          <a:lnRef idx="1">
+            <a:schemeClr val="accent6"/>
+          </a:lnRef>
+          <a:fillRef idx="3">
+            <a:schemeClr val="accent6"/>
+          </a:fillRef>
+          <a:effectRef idx="2">
+            <a:schemeClr val="accent6"/>
+          </a:effectRef>
+          <a:fontRef idx="minor">
+            <a:schemeClr val="lt1"/>
+          </a:fontRef>
+        </p:style>
+        <p:txBody>
+          <a:bodyPr rtlCol="0" anchor="ctr"/>
+          <a:lstStyle/>
+          <a:p>
+            <a:pPr algn="ctr"/>
+            <a:r>
+              <a:rPr lang="ko-KR" altLang="en-US" sz="900" dirty="0"/>
+              <a:t>버전 테이블 조회</a:t>
+            </a:r>
+          </a:p>
+        </p:txBody>
+      </p:sp>
+      <p:sp>
+        <p:nvSpPr>
+          <p:cNvPr id="128" name="사각형: 둥근 모서리 127">
+            <a:extLst>
+              <a:ext uri="{FF2B5EF4-FFF2-40B4-BE49-F238E27FC236}">
+                <a16:creationId xmlns:a16="http://schemas.microsoft.com/office/drawing/2014/main" id="{5AA21271-C2E5-4D3B-889A-CF0F8200C093}"/>
+              </a:ext>
+            </a:extLst>
+          </p:cNvPr>
+          <p:cNvSpPr/>
+          <p:nvPr/>
+        </p:nvSpPr>
+        <p:spPr>
+          <a:xfrm>
+            <a:off x="7653714" y="3586305"/>
+            <a:ext cx="1533143" cy="368050"/>
+          </a:xfrm>
+          <a:prstGeom prst="roundRect">
+            <a:avLst/>
+          </a:prstGeom>
+        </p:spPr>
+        <p:style>
+          <a:lnRef idx="1">
+            <a:schemeClr val="accent6"/>
+          </a:lnRef>
+          <a:fillRef idx="3">
+            <a:schemeClr val="accent6"/>
+          </a:fillRef>
+          <a:effectRef idx="2">
+            <a:schemeClr val="accent6"/>
+          </a:effectRef>
+          <a:fontRef idx="minor">
+            <a:schemeClr val="lt1"/>
+          </a:fontRef>
+        </p:style>
+        <p:txBody>
+          <a:bodyPr rtlCol="0" anchor="ctr"/>
+          <a:lstStyle/>
+          <a:p>
+            <a:pPr algn="ctr"/>
+            <a:r>
+              <a:rPr lang="ko-KR" altLang="en-US" sz="900" dirty="0"/>
+              <a:t>캐시의 번들과</a:t>
+            </a:r>
+            <a:r>
+              <a:rPr lang="en-US" altLang="ko-KR" sz="900" dirty="0"/>
+              <a:t> </a:t>
+            </a:r>
+            <a:r>
+              <a:rPr lang="ko-KR" altLang="en-US" sz="900" dirty="0"/>
+              <a:t>버전 비교</a:t>
+            </a:r>
+            <a:endParaRPr lang="en-US" altLang="ko-KR" sz="900" dirty="0"/>
+          </a:p>
+        </p:txBody>
+      </p:sp>
+      <p:sp>
+        <p:nvSpPr>
+          <p:cNvPr id="129" name="순서도: 판단 128">
+            <a:extLst>
+              <a:ext uri="{FF2B5EF4-FFF2-40B4-BE49-F238E27FC236}">
+                <a16:creationId xmlns:a16="http://schemas.microsoft.com/office/drawing/2014/main" id="{C5A6A279-2F2A-4C3F-8E5A-70976FF9FDEA}"/>
+              </a:ext>
+            </a:extLst>
+          </p:cNvPr>
+          <p:cNvSpPr/>
+          <p:nvPr/>
+        </p:nvSpPr>
+        <p:spPr>
+          <a:xfrm>
+            <a:off x="7517792" y="4131778"/>
+            <a:ext cx="1804986" cy="540127"/>
+          </a:xfrm>
+          <a:prstGeom prst="flowChartDecision">
+            <a:avLst/>
+          </a:prstGeom>
+          <a:solidFill>
+            <a:schemeClr val="accent4">
+              <a:lumMod val="75000"/>
+            </a:schemeClr>
+          </a:solidFill>
+        </p:spPr>
+        <p:style>
+          <a:lnRef idx="1">
+            <a:schemeClr val="accent4"/>
+          </a:lnRef>
+          <a:fillRef idx="3">
+            <a:schemeClr val="accent4"/>
+          </a:fillRef>
+          <a:effectRef idx="2">
+            <a:schemeClr val="accent4"/>
+          </a:effectRef>
+          <a:fontRef idx="minor">
+            <a:schemeClr val="lt1"/>
+          </a:fontRef>
+        </p:style>
+        <p:txBody>
+          <a:bodyPr rtlCol="0" anchor="ctr"/>
+          <a:lstStyle/>
+          <a:p>
+            <a:pPr algn="ctr"/>
+            <a:r>
+              <a:rPr lang="ko-KR" altLang="en-US" sz="900" dirty="0"/>
+              <a:t>변경 여부</a:t>
+            </a:r>
+          </a:p>
+        </p:txBody>
+      </p:sp>
+      <p:sp>
+        <p:nvSpPr>
+          <p:cNvPr id="130" name="사각형: 둥근 모서리 129">
+            <a:extLst>
+              <a:ext uri="{FF2B5EF4-FFF2-40B4-BE49-F238E27FC236}">
+                <a16:creationId xmlns:a16="http://schemas.microsoft.com/office/drawing/2014/main" id="{E1F61AEB-FCA4-4CC2-B68D-C392374F5697}"/>
+              </a:ext>
+            </a:extLst>
+          </p:cNvPr>
+          <p:cNvSpPr/>
+          <p:nvPr/>
+        </p:nvSpPr>
+        <p:spPr>
+          <a:xfrm>
+            <a:off x="9691940" y="4217816"/>
+            <a:ext cx="1095244" cy="368050"/>
+          </a:xfrm>
+          <a:prstGeom prst="roundRect">
+            <a:avLst/>
+          </a:prstGeom>
+        </p:spPr>
+        <p:style>
+          <a:lnRef idx="1">
+            <a:schemeClr val="accent6"/>
+          </a:lnRef>
+          <a:fillRef idx="3">
+            <a:schemeClr val="accent6"/>
+          </a:fillRef>
+          <a:effectRef idx="2">
+            <a:schemeClr val="accent6"/>
+          </a:effectRef>
+          <a:fontRef idx="minor">
+            <a:schemeClr val="lt1"/>
+          </a:fontRef>
+        </p:style>
+        <p:txBody>
+          <a:bodyPr rtlCol="0" anchor="ctr"/>
+          <a:lstStyle/>
+          <a:p>
+            <a:pPr algn="ctr"/>
+            <a:r>
+              <a:rPr lang="ko-KR" altLang="en-US" sz="900" dirty="0"/>
+              <a:t>종료</a:t>
+            </a:r>
+          </a:p>
+        </p:txBody>
+      </p:sp>
+      <p:sp>
+        <p:nvSpPr>
+          <p:cNvPr id="131" name="사각형: 둥근 모서리 130">
+            <a:extLst>
+              <a:ext uri="{FF2B5EF4-FFF2-40B4-BE49-F238E27FC236}">
+                <a16:creationId xmlns:a16="http://schemas.microsoft.com/office/drawing/2014/main" id="{0827986C-5435-43FC-8812-6E3D6C4587B1}"/>
+              </a:ext>
+            </a:extLst>
+          </p:cNvPr>
+          <p:cNvSpPr/>
+          <p:nvPr/>
+        </p:nvSpPr>
+        <p:spPr>
+          <a:xfrm>
+            <a:off x="6601012" y="2985904"/>
+            <a:ext cx="3638550" cy="368050"/>
+          </a:xfrm>
+          <a:prstGeom prst="roundRect">
+            <a:avLst/>
+          </a:prstGeom>
+        </p:spPr>
+        <p:style>
+          <a:lnRef idx="1">
+            <a:schemeClr val="accent6"/>
+          </a:lnRef>
+          <a:fillRef idx="3">
+            <a:schemeClr val="accent6"/>
+          </a:fillRef>
+          <a:effectRef idx="2">
+            <a:schemeClr val="accent6"/>
+          </a:effectRef>
+          <a:fontRef idx="minor">
+            <a:schemeClr val="lt1"/>
+          </a:fontRef>
+        </p:style>
+        <p:txBody>
+          <a:bodyPr rtlCol="0" anchor="ctr"/>
+          <a:lstStyle/>
+          <a:p>
+            <a:pPr algn="ctr"/>
+            <a:r>
+              <a:rPr lang="en-US" altLang="ko-KR" sz="900" dirty="0" err="1"/>
+              <a:t>UnityWebRequestAssetBundle.GetAssetBundle</a:t>
+            </a:r>
+            <a:r>
+              <a:rPr lang="en-US" altLang="ko-KR" sz="900" dirty="0"/>
+              <a:t> ( URL , version, </a:t>
+            </a:r>
+            <a:r>
+              <a:rPr lang="en-US" altLang="ko-KR" sz="900" dirty="0" err="1"/>
+              <a:t>crc</a:t>
+            </a:r>
+            <a:r>
+              <a:rPr lang="en-US" altLang="ko-KR" sz="900" dirty="0"/>
+              <a:t> )</a:t>
+            </a:r>
+            <a:endParaRPr lang="ko-KR" altLang="en-US" sz="900" dirty="0"/>
+          </a:p>
+        </p:txBody>
+      </p:sp>
+      <p:sp>
+        <p:nvSpPr>
+          <p:cNvPr id="155" name="사각형: 둥근 모서리 154">
+            <a:extLst>
+              <a:ext uri="{FF2B5EF4-FFF2-40B4-BE49-F238E27FC236}">
+                <a16:creationId xmlns:a16="http://schemas.microsoft.com/office/drawing/2014/main" id="{713D86E4-EBEC-4545-B1C4-5E77E38E9C36}"/>
+              </a:ext>
+            </a:extLst>
+          </p:cNvPr>
+          <p:cNvSpPr/>
+          <p:nvPr/>
+        </p:nvSpPr>
+        <p:spPr>
+          <a:xfrm>
+            <a:off x="7872663" y="4898822"/>
+            <a:ext cx="1095244" cy="368050"/>
+          </a:xfrm>
+          <a:prstGeom prst="roundRect">
+            <a:avLst/>
+          </a:prstGeom>
+        </p:spPr>
+        <p:style>
+          <a:lnRef idx="1">
+            <a:schemeClr val="accent6"/>
+          </a:lnRef>
+          <a:fillRef idx="3">
+            <a:schemeClr val="accent6"/>
+          </a:fillRef>
+          <a:effectRef idx="2">
+            <a:schemeClr val="accent6"/>
+          </a:effectRef>
+          <a:fontRef idx="minor">
+            <a:schemeClr val="lt1"/>
+          </a:fontRef>
+        </p:style>
+        <p:txBody>
+          <a:bodyPr rtlCol="0" anchor="ctr"/>
+          <a:lstStyle/>
+          <a:p>
+            <a:pPr algn="ctr"/>
+            <a:r>
+              <a:rPr lang="en-US" altLang="ko-KR" sz="900" dirty="0"/>
+              <a:t>Load </a:t>
+            </a:r>
+            <a:r>
+              <a:rPr lang="ko-KR" altLang="en-US" sz="900" dirty="0"/>
+              <a:t>및</a:t>
+            </a:r>
+            <a:endParaRPr lang="en-US" altLang="ko-KR" sz="900" dirty="0"/>
+          </a:p>
+          <a:p>
+            <a:pPr algn="ctr"/>
+            <a:r>
+              <a:rPr lang="ko-KR" altLang="en-US" sz="900" dirty="0"/>
+              <a:t>버전 업데이트</a:t>
+            </a:r>
+          </a:p>
+        </p:txBody>
+      </p:sp>
+      <p:cxnSp>
+        <p:nvCxnSpPr>
+          <p:cNvPr id="158" name="직선 화살표 연결선 157">
+            <a:extLst>
+              <a:ext uri="{FF2B5EF4-FFF2-40B4-BE49-F238E27FC236}">
+                <a16:creationId xmlns:a16="http://schemas.microsoft.com/office/drawing/2014/main" id="{6CB82CB2-3E1F-4BFF-B11A-2AFAEAF39C77}"/>
+              </a:ext>
+            </a:extLst>
+          </p:cNvPr>
+          <p:cNvCxnSpPr>
+            <a:cxnSpLocks/>
+          </p:cNvCxnSpPr>
+          <p:nvPr/>
+        </p:nvCxnSpPr>
+        <p:spPr>
+          <a:xfrm flipH="1">
+            <a:off x="8801100" y="1347228"/>
+            <a:ext cx="114023" cy="226917"/>
+          </a:xfrm>
+          <a:prstGeom prst="straightConnector1">
+            <a:avLst/>
+          </a:prstGeom>
+          <a:ln w="38100">
+            <a:solidFill>
+              <a:srgbClr val="FF0000"/>
+            </a:solidFill>
+            <a:tailEnd type="triangle"/>
+          </a:ln>
+        </p:spPr>
+        <p:style>
+          <a:lnRef idx="1">
+            <a:schemeClr val="accent1"/>
+          </a:lnRef>
+          <a:fillRef idx="0">
+            <a:schemeClr val="accent1"/>
+          </a:fillRef>
+          <a:effectRef idx="0">
+            <a:schemeClr val="accent1"/>
+          </a:effectRef>
+          <a:fontRef idx="minor">
+            <a:schemeClr val="tx1"/>
+          </a:fontRef>
+        </p:style>
+      </p:cxnSp>
+      <p:cxnSp>
+        <p:nvCxnSpPr>
+          <p:cNvPr id="163" name="직선 화살표 연결선 162">
+            <a:extLst>
+              <a:ext uri="{FF2B5EF4-FFF2-40B4-BE49-F238E27FC236}">
+                <a16:creationId xmlns:a16="http://schemas.microsoft.com/office/drawing/2014/main" id="{BDF3FE8A-D247-4B03-B030-7B24AD3D03D5}"/>
+              </a:ext>
+            </a:extLst>
+          </p:cNvPr>
+          <p:cNvCxnSpPr>
+            <a:cxnSpLocks/>
+          </p:cNvCxnSpPr>
+          <p:nvPr/>
+        </p:nvCxnSpPr>
+        <p:spPr>
+          <a:xfrm>
+            <a:off x="7945170" y="1320785"/>
+            <a:ext cx="116150" cy="230716"/>
+          </a:xfrm>
+          <a:prstGeom prst="straightConnector1">
+            <a:avLst/>
+          </a:prstGeom>
+          <a:ln w="38100">
+            <a:solidFill>
+              <a:srgbClr val="FF0000"/>
+            </a:solidFill>
+            <a:tailEnd type="triangle"/>
+          </a:ln>
+        </p:spPr>
+        <p:style>
+          <a:lnRef idx="1">
+            <a:schemeClr val="accent1"/>
+          </a:lnRef>
+          <a:fillRef idx="0">
+            <a:schemeClr val="accent1"/>
+          </a:fillRef>
+          <a:effectRef idx="0">
+            <a:schemeClr val="accent1"/>
+          </a:effectRef>
+          <a:fontRef idx="minor">
+            <a:schemeClr val="tx1"/>
+          </a:fontRef>
+        </p:style>
+      </p:cxnSp>
+      <p:cxnSp>
+        <p:nvCxnSpPr>
+          <p:cNvPr id="168" name="직선 연결선 167">
+            <a:extLst>
+              <a:ext uri="{FF2B5EF4-FFF2-40B4-BE49-F238E27FC236}">
+                <a16:creationId xmlns:a16="http://schemas.microsoft.com/office/drawing/2014/main" id="{11C817C2-EB15-4F55-9CE4-7B0DF393C620}"/>
+              </a:ext>
+            </a:extLst>
+          </p:cNvPr>
+          <p:cNvCxnSpPr/>
+          <p:nvPr/>
+        </p:nvCxnSpPr>
+        <p:spPr>
+          <a:xfrm>
+            <a:off x="6446366" y="246220"/>
+            <a:ext cx="0" cy="1695975"/>
+          </a:xfrm>
+          <a:prstGeom prst="line">
+            <a:avLst/>
+          </a:prstGeom>
+          <a:ln w="38100">
+            <a:solidFill>
+              <a:srgbClr val="FF0000"/>
+            </a:solidFill>
+          </a:ln>
+        </p:spPr>
+        <p:style>
+          <a:lnRef idx="1">
+            <a:schemeClr val="accent1"/>
+          </a:lnRef>
+          <a:fillRef idx="0">
+            <a:schemeClr val="accent1"/>
+          </a:fillRef>
+          <a:effectRef idx="0">
+            <a:schemeClr val="accent1"/>
+          </a:effectRef>
+          <a:fontRef idx="minor">
+            <a:schemeClr val="tx1"/>
+          </a:fontRef>
+        </p:style>
+      </p:cxnSp>
+      <p:cxnSp>
+        <p:nvCxnSpPr>
+          <p:cNvPr id="169" name="직선 연결선 168">
+            <a:extLst>
+              <a:ext uri="{FF2B5EF4-FFF2-40B4-BE49-F238E27FC236}">
+                <a16:creationId xmlns:a16="http://schemas.microsoft.com/office/drawing/2014/main" id="{98BA715E-7E14-4E1C-8140-738B048D379B}"/>
+              </a:ext>
+            </a:extLst>
+          </p:cNvPr>
+          <p:cNvCxnSpPr>
+            <a:cxnSpLocks/>
+          </p:cNvCxnSpPr>
+          <p:nvPr/>
+        </p:nvCxnSpPr>
+        <p:spPr>
+          <a:xfrm>
+            <a:off x="6435553" y="261108"/>
+            <a:ext cx="207170" cy="0"/>
+          </a:xfrm>
+          <a:prstGeom prst="line">
+            <a:avLst/>
+          </a:prstGeom>
+          <a:ln w="38100">
+            <a:solidFill>
+              <a:srgbClr val="FF0000"/>
+            </a:solidFill>
+          </a:ln>
+        </p:spPr>
+        <p:style>
+          <a:lnRef idx="1">
+            <a:schemeClr val="accent1"/>
+          </a:lnRef>
+          <a:fillRef idx="0">
+            <a:schemeClr val="accent1"/>
+          </a:fillRef>
+          <a:effectRef idx="0">
+            <a:schemeClr val="accent1"/>
+          </a:effectRef>
+          <a:fontRef idx="minor">
+            <a:schemeClr val="tx1"/>
+          </a:fontRef>
+        </p:style>
+      </p:cxnSp>
+      <p:cxnSp>
+        <p:nvCxnSpPr>
+          <p:cNvPr id="173" name="직선 연결선 172">
+            <a:extLst>
+              <a:ext uri="{FF2B5EF4-FFF2-40B4-BE49-F238E27FC236}">
+                <a16:creationId xmlns:a16="http://schemas.microsoft.com/office/drawing/2014/main" id="{820E3D18-9792-4966-90C7-175800683099}"/>
+              </a:ext>
+            </a:extLst>
+          </p:cNvPr>
+          <p:cNvCxnSpPr>
+            <a:cxnSpLocks/>
+          </p:cNvCxnSpPr>
+          <p:nvPr/>
+        </p:nvCxnSpPr>
+        <p:spPr>
+          <a:xfrm>
+            <a:off x="6435553" y="1926228"/>
+            <a:ext cx="207170" cy="0"/>
+          </a:xfrm>
+          <a:prstGeom prst="line">
+            <a:avLst/>
+          </a:prstGeom>
+          <a:ln w="38100">
+            <a:solidFill>
+              <a:srgbClr val="FF0000"/>
+            </a:solidFill>
+          </a:ln>
+        </p:spPr>
+        <p:style>
+          <a:lnRef idx="1">
+            <a:schemeClr val="accent1"/>
+          </a:lnRef>
+          <a:fillRef idx="0">
+            <a:schemeClr val="accent1"/>
+          </a:fillRef>
+          <a:effectRef idx="0">
+            <a:schemeClr val="accent1"/>
+          </a:effectRef>
+          <a:fontRef idx="minor">
+            <a:schemeClr val="tx1"/>
+          </a:fontRef>
+        </p:style>
+      </p:cxnSp>
+      <p:cxnSp>
+        <p:nvCxnSpPr>
+          <p:cNvPr id="174" name="직선 연결선 173">
+            <a:extLst>
+              <a:ext uri="{FF2B5EF4-FFF2-40B4-BE49-F238E27FC236}">
+                <a16:creationId xmlns:a16="http://schemas.microsoft.com/office/drawing/2014/main" id="{33B27787-55FB-4FFB-95C9-BC5BF7687738}"/>
+              </a:ext>
+            </a:extLst>
+          </p:cNvPr>
+          <p:cNvCxnSpPr>
+            <a:cxnSpLocks/>
+          </p:cNvCxnSpPr>
+          <p:nvPr/>
+        </p:nvCxnSpPr>
+        <p:spPr>
+          <a:xfrm>
+            <a:off x="6452286" y="2315915"/>
+            <a:ext cx="0" cy="2816830"/>
+          </a:xfrm>
+          <a:prstGeom prst="line">
+            <a:avLst/>
+          </a:prstGeom>
+          <a:ln w="38100">
+            <a:solidFill>
+              <a:srgbClr val="FF0000"/>
+            </a:solidFill>
+          </a:ln>
+        </p:spPr>
+        <p:style>
+          <a:lnRef idx="1">
+            <a:schemeClr val="accent1"/>
+          </a:lnRef>
+          <a:fillRef idx="0">
+            <a:schemeClr val="accent1"/>
+          </a:fillRef>
+          <a:effectRef idx="0">
+            <a:schemeClr val="accent1"/>
+          </a:effectRef>
+          <a:fontRef idx="minor">
+            <a:schemeClr val="tx1"/>
+          </a:fontRef>
+        </p:style>
+      </p:cxnSp>
+      <p:cxnSp>
+        <p:nvCxnSpPr>
+          <p:cNvPr id="175" name="직선 연결선 174">
+            <a:extLst>
+              <a:ext uri="{FF2B5EF4-FFF2-40B4-BE49-F238E27FC236}">
+                <a16:creationId xmlns:a16="http://schemas.microsoft.com/office/drawing/2014/main" id="{6E2F039F-3781-409D-92F0-34BF40C1CCC0}"/>
+              </a:ext>
+            </a:extLst>
+          </p:cNvPr>
+          <p:cNvCxnSpPr>
+            <a:cxnSpLocks/>
+          </p:cNvCxnSpPr>
+          <p:nvPr/>
+        </p:nvCxnSpPr>
+        <p:spPr>
+          <a:xfrm>
+            <a:off x="6441473" y="2330803"/>
+            <a:ext cx="207170" cy="0"/>
+          </a:xfrm>
+          <a:prstGeom prst="line">
+            <a:avLst/>
+          </a:prstGeom>
+          <a:ln w="38100">
+            <a:solidFill>
+              <a:srgbClr val="FF0000"/>
+            </a:solidFill>
+          </a:ln>
+        </p:spPr>
+        <p:style>
+          <a:lnRef idx="1">
+            <a:schemeClr val="accent1"/>
+          </a:lnRef>
+          <a:fillRef idx="0">
+            <a:schemeClr val="accent1"/>
+          </a:fillRef>
+          <a:effectRef idx="0">
+            <a:schemeClr val="accent1"/>
+          </a:effectRef>
+          <a:fontRef idx="minor">
+            <a:schemeClr val="tx1"/>
+          </a:fontRef>
+        </p:style>
+      </p:cxnSp>
+      <p:cxnSp>
+        <p:nvCxnSpPr>
+          <p:cNvPr id="176" name="직선 연결선 175">
+            <a:extLst>
+              <a:ext uri="{FF2B5EF4-FFF2-40B4-BE49-F238E27FC236}">
+                <a16:creationId xmlns:a16="http://schemas.microsoft.com/office/drawing/2014/main" id="{A976EC03-3E67-4753-AD51-21DB58DD43E6}"/>
+              </a:ext>
+            </a:extLst>
+          </p:cNvPr>
+          <p:cNvCxnSpPr>
+            <a:cxnSpLocks/>
+          </p:cNvCxnSpPr>
+          <p:nvPr/>
+        </p:nvCxnSpPr>
+        <p:spPr>
+          <a:xfrm>
+            <a:off x="6435553" y="5132745"/>
+            <a:ext cx="207170" cy="0"/>
+          </a:xfrm>
+          <a:prstGeom prst="line">
+            <a:avLst/>
+          </a:prstGeom>
+          <a:ln w="38100">
+            <a:solidFill>
+              <a:srgbClr val="FF0000"/>
+            </a:solidFill>
+          </a:ln>
+        </p:spPr>
+        <p:style>
+          <a:lnRef idx="1">
+            <a:schemeClr val="accent1"/>
+          </a:lnRef>
+          <a:fillRef idx="0">
+            <a:schemeClr val="accent1"/>
+          </a:fillRef>
+          <a:effectRef idx="0">
+            <a:schemeClr val="accent1"/>
+          </a:effectRef>
+          <a:fontRef idx="minor">
+            <a:schemeClr val="tx1"/>
+          </a:fontRef>
+        </p:style>
+      </p:cxnSp>
+      <p:cxnSp>
+        <p:nvCxnSpPr>
+          <p:cNvPr id="181" name="직선 화살표 연결선 180">
+            <a:extLst>
+              <a:ext uri="{FF2B5EF4-FFF2-40B4-BE49-F238E27FC236}">
+                <a16:creationId xmlns:a16="http://schemas.microsoft.com/office/drawing/2014/main" id="{492B32A5-2681-4985-816D-D682227B3880}"/>
+              </a:ext>
+            </a:extLst>
+          </p:cNvPr>
+          <p:cNvCxnSpPr>
+            <a:cxnSpLocks/>
+            <a:stCxn id="118" idx="2"/>
+            <a:endCxn id="127" idx="0"/>
+          </p:cNvCxnSpPr>
+          <p:nvPr/>
+        </p:nvCxnSpPr>
+        <p:spPr>
+          <a:xfrm>
+            <a:off x="8420285" y="1951090"/>
+            <a:ext cx="7" cy="378235"/>
+          </a:xfrm>
+          <a:prstGeom prst="straightConnector1">
+            <a:avLst/>
+          </a:prstGeom>
+          <a:ln w="38100">
+            <a:solidFill>
+              <a:srgbClr val="FF0000"/>
+            </a:solidFill>
+            <a:tailEnd type="triangle"/>
+          </a:ln>
+        </p:spPr>
+        <p:style>
+          <a:lnRef idx="1">
+            <a:schemeClr val="accent1"/>
+          </a:lnRef>
+          <a:fillRef idx="0">
+            <a:schemeClr val="accent1"/>
+          </a:fillRef>
+          <a:effectRef idx="0">
+            <a:schemeClr val="accent1"/>
+          </a:effectRef>
+          <a:fontRef idx="minor">
+            <a:schemeClr val="tx1"/>
+          </a:fontRef>
+        </p:style>
+      </p:cxnSp>
+      <p:cxnSp>
+        <p:nvCxnSpPr>
+          <p:cNvPr id="193" name="직선 화살표 연결선 192">
+            <a:extLst>
+              <a:ext uri="{FF2B5EF4-FFF2-40B4-BE49-F238E27FC236}">
+                <a16:creationId xmlns:a16="http://schemas.microsoft.com/office/drawing/2014/main" id="{1D2AB0E9-BC40-4DB6-9ED3-01049B9B2A35}"/>
+              </a:ext>
+            </a:extLst>
+          </p:cNvPr>
+          <p:cNvCxnSpPr>
+            <a:cxnSpLocks/>
+            <a:stCxn id="131" idx="2"/>
+            <a:endCxn id="128" idx="0"/>
+          </p:cNvCxnSpPr>
+          <p:nvPr/>
+        </p:nvCxnSpPr>
+        <p:spPr>
+          <a:xfrm flipH="1">
+            <a:off x="8420286" y="3353954"/>
+            <a:ext cx="1" cy="232351"/>
+          </a:xfrm>
+          <a:prstGeom prst="straightConnector1">
+            <a:avLst/>
+          </a:prstGeom>
+          <a:ln w="38100">
+            <a:solidFill>
+              <a:srgbClr val="FF0000"/>
+            </a:solidFill>
+            <a:tailEnd type="triangle"/>
+          </a:ln>
+        </p:spPr>
+        <p:style>
+          <a:lnRef idx="1">
+            <a:schemeClr val="accent1"/>
+          </a:lnRef>
+          <a:fillRef idx="0">
+            <a:schemeClr val="accent1"/>
+          </a:fillRef>
+          <a:effectRef idx="0">
+            <a:schemeClr val="accent1"/>
+          </a:effectRef>
+          <a:fontRef idx="minor">
+            <a:schemeClr val="tx1"/>
+          </a:fontRef>
+        </p:style>
+      </p:cxnSp>
+      <p:cxnSp>
+        <p:nvCxnSpPr>
+          <p:cNvPr id="197" name="직선 화살표 연결선 196">
+            <a:extLst>
+              <a:ext uri="{FF2B5EF4-FFF2-40B4-BE49-F238E27FC236}">
+                <a16:creationId xmlns:a16="http://schemas.microsoft.com/office/drawing/2014/main" id="{90E7714B-4AD0-4E0E-99E0-276DBAECA23A}"/>
+              </a:ext>
+            </a:extLst>
+          </p:cNvPr>
+          <p:cNvCxnSpPr>
+            <a:cxnSpLocks/>
+            <a:stCxn id="128" idx="2"/>
+            <a:endCxn id="129" idx="0"/>
+          </p:cNvCxnSpPr>
+          <p:nvPr/>
+        </p:nvCxnSpPr>
+        <p:spPr>
+          <a:xfrm flipH="1">
+            <a:off x="8420285" y="3954355"/>
+            <a:ext cx="1" cy="177423"/>
+          </a:xfrm>
+          <a:prstGeom prst="straightConnector1">
+            <a:avLst/>
+          </a:prstGeom>
+          <a:ln w="38100">
+            <a:solidFill>
+              <a:srgbClr val="FF0000"/>
+            </a:solidFill>
+            <a:tailEnd type="triangle"/>
+          </a:ln>
+        </p:spPr>
+        <p:style>
+          <a:lnRef idx="1">
+            <a:schemeClr val="accent1"/>
+          </a:lnRef>
+          <a:fillRef idx="0">
+            <a:schemeClr val="accent1"/>
+          </a:fillRef>
+          <a:effectRef idx="0">
+            <a:schemeClr val="accent1"/>
+          </a:effectRef>
+          <a:fontRef idx="minor">
+            <a:schemeClr val="tx1"/>
+          </a:fontRef>
+        </p:style>
+      </p:cxnSp>
+      <p:cxnSp>
+        <p:nvCxnSpPr>
+          <p:cNvPr id="200" name="직선 화살표 연결선 199">
+            <a:extLst>
+              <a:ext uri="{FF2B5EF4-FFF2-40B4-BE49-F238E27FC236}">
+                <a16:creationId xmlns:a16="http://schemas.microsoft.com/office/drawing/2014/main" id="{FB6B9BA6-9F15-4AFC-850D-A9156CDA26D2}"/>
+              </a:ext>
+            </a:extLst>
+          </p:cNvPr>
+          <p:cNvCxnSpPr>
+            <a:cxnSpLocks/>
+            <a:stCxn id="129" idx="2"/>
+            <a:endCxn id="155" idx="0"/>
+          </p:cNvCxnSpPr>
+          <p:nvPr/>
+        </p:nvCxnSpPr>
+        <p:spPr>
+          <a:xfrm>
+            <a:off x="8420285" y="4671905"/>
+            <a:ext cx="0" cy="226917"/>
+          </a:xfrm>
+          <a:prstGeom prst="straightConnector1">
+            <a:avLst/>
+          </a:prstGeom>
+          <a:ln w="38100">
+            <a:solidFill>
+              <a:srgbClr val="FF0000"/>
+            </a:solidFill>
+            <a:tailEnd type="triangle"/>
+          </a:ln>
+        </p:spPr>
+        <p:style>
+          <a:lnRef idx="1">
+            <a:schemeClr val="accent1"/>
+          </a:lnRef>
+          <a:fillRef idx="0">
+            <a:schemeClr val="accent1"/>
+          </a:fillRef>
+          <a:effectRef idx="0">
+            <a:schemeClr val="accent1"/>
+          </a:effectRef>
+          <a:fontRef idx="minor">
+            <a:schemeClr val="tx1"/>
+          </a:fontRef>
+        </p:style>
+      </p:cxnSp>
+      <p:cxnSp>
+        <p:nvCxnSpPr>
+          <p:cNvPr id="203" name="직선 화살표 연결선 202">
+            <a:extLst>
+              <a:ext uri="{FF2B5EF4-FFF2-40B4-BE49-F238E27FC236}">
+                <a16:creationId xmlns:a16="http://schemas.microsoft.com/office/drawing/2014/main" id="{4703B16C-C356-4CDE-BD67-BFDB7BE60377}"/>
+              </a:ext>
+            </a:extLst>
+          </p:cNvPr>
+          <p:cNvCxnSpPr>
+            <a:cxnSpLocks/>
+            <a:stCxn id="129" idx="3"/>
+            <a:endCxn id="130" idx="1"/>
+          </p:cNvCxnSpPr>
+          <p:nvPr/>
+        </p:nvCxnSpPr>
+        <p:spPr>
+          <a:xfrm flipV="1">
+            <a:off x="9322778" y="4401841"/>
+            <a:ext cx="369162" cy="1"/>
+          </a:xfrm>
+          <a:prstGeom prst="straightConnector1">
+            <a:avLst/>
+          </a:prstGeom>
+          <a:ln w="38100">
+            <a:solidFill>
+              <a:srgbClr val="FF0000"/>
+            </a:solidFill>
+            <a:tailEnd type="triangle"/>
+          </a:ln>
+        </p:spPr>
+        <p:style>
+          <a:lnRef idx="1">
+            <a:schemeClr val="accent1"/>
+          </a:lnRef>
+          <a:fillRef idx="0">
+            <a:schemeClr val="accent1"/>
+          </a:fillRef>
+          <a:effectRef idx="0">
+            <a:schemeClr val="accent1"/>
+          </a:effectRef>
+          <a:fontRef idx="minor">
+            <a:schemeClr val="tx1"/>
+          </a:fontRef>
+        </p:style>
+      </p:cxnSp>
+      <p:cxnSp>
+        <p:nvCxnSpPr>
+          <p:cNvPr id="213" name="직선 화살표 연결선 212">
+            <a:extLst>
+              <a:ext uri="{FF2B5EF4-FFF2-40B4-BE49-F238E27FC236}">
+                <a16:creationId xmlns:a16="http://schemas.microsoft.com/office/drawing/2014/main" id="{E86D1922-B512-4A51-BE9D-3501ECBFAFFD}"/>
+              </a:ext>
+            </a:extLst>
+          </p:cNvPr>
+          <p:cNvCxnSpPr>
+            <a:cxnSpLocks/>
+            <a:stCxn id="127" idx="2"/>
+            <a:endCxn id="131" idx="0"/>
+          </p:cNvCxnSpPr>
+          <p:nvPr/>
+        </p:nvCxnSpPr>
+        <p:spPr>
+          <a:xfrm flipH="1">
+            <a:off x="8420287" y="2697375"/>
+            <a:ext cx="5" cy="288529"/>
+          </a:xfrm>
+          <a:prstGeom prst="straightConnector1">
+            <a:avLst/>
+          </a:prstGeom>
+          <a:ln w="38100">
+            <a:solidFill>
+              <a:srgbClr val="FF0000"/>
+            </a:solidFill>
+            <a:tailEnd type="triangle"/>
+          </a:ln>
+        </p:spPr>
+        <p:style>
+          <a:lnRef idx="1">
+            <a:schemeClr val="accent1"/>
+          </a:lnRef>
+          <a:fillRef idx="0">
+            <a:schemeClr val="accent1"/>
+          </a:fillRef>
+          <a:effectRef idx="0">
+            <a:schemeClr val="accent1"/>
+          </a:effectRef>
+          <a:fontRef idx="minor">
+            <a:schemeClr val="tx1"/>
+          </a:fontRef>
+        </p:style>
+      </p:cxnSp>
+    </p:spTree>
+    <p:extLst>
+      <p:ext uri="{BB962C8B-B14F-4D97-AF65-F5344CB8AC3E}">
+        <p14:creationId xmlns:p14="http://schemas.microsoft.com/office/powerpoint/2010/main" val="469697351"/>
+      </p:ext>
+    </p:extLst>
+  </p:cSld>
+  <p:clrMapOvr>
+    <a:masterClrMapping/>
+  </p:clrMapOvr>
+</p:sld>
+</file>
+
+<file path=ppt/slides/slide13.xml><?xml version="1.0" encoding="utf-8"?>
+<p:sld xmlns:a="http://schemas.openxmlformats.org/drawingml/2006/main" xmlns:r="http://schemas.openxmlformats.org/officeDocument/2006/relationships" xmlns:p="http://schemas.openxmlformats.org/presentationml/2006/main">
+  <p:cSld>
+    <p:spTree>
+      <p:nvGrpSpPr>
+        <p:cNvPr id="1" name=""/>
+        <p:cNvGrpSpPr/>
+        <p:nvPr/>
+      </p:nvGrpSpPr>
+      <p:grpSpPr>
+        <a:xfrm>
+          <a:off x="0" y="0"/>
+          <a:ext cx="0" cy="0"/>
+          <a:chOff x="0" y="0"/>
+          <a:chExt cx="0" cy="0"/>
+        </a:xfrm>
+      </p:grpSpPr>
+      <p:sp>
+        <p:nvSpPr>
+          <p:cNvPr id="10" name="직사각형 9">
+            <a:extLst>
+              <a:ext uri="{FF2B5EF4-FFF2-40B4-BE49-F238E27FC236}">
+                <a16:creationId xmlns:a16="http://schemas.microsoft.com/office/drawing/2014/main" id="{1C220BDD-ED67-4BE1-BCE8-A5EF3CAF86D3}"/>
+              </a:ext>
+            </a:extLst>
+          </p:cNvPr>
+          <p:cNvSpPr/>
+          <p:nvPr/>
+        </p:nvSpPr>
+        <p:spPr>
+          <a:xfrm>
+            <a:off x="1116225" y="1817471"/>
             <a:ext cx="3229233" cy="823783"/>
           </a:xfrm>
           <a:prstGeom prst="rect">
@@ -4222,25 +6589,17 @@
             <a:pPr algn="ctr"/>
             <a:r>
               <a:rPr lang="ko-KR" altLang="en-US" dirty="0"/>
-              <a:t>로컬</a:t>
-            </a:r>
-            <a:r>
-              <a:rPr lang="en-US" altLang="ko-KR" dirty="0"/>
-              <a:t> </a:t>
-            </a:r>
-            <a:r>
-              <a:rPr lang="ko-KR" altLang="en-US" dirty="0"/>
-              <a:t>버전 테이블 기록</a:t>
-            </a:r>
-          </a:p>
-        </p:txBody>
-      </p:sp>
-      <p:sp>
-        <p:nvSpPr>
-          <p:cNvPr id="7" name="TextBox 6">
-            <a:extLst>
-              <a:ext uri="{FF2B5EF4-FFF2-40B4-BE49-F238E27FC236}">
-                <a16:creationId xmlns:a16="http://schemas.microsoft.com/office/drawing/2014/main" id="{FBDD3226-415A-4163-A927-3F0A12A10A92}"/>
+              <a:t>서버 버전 테이블 조회</a:t>
+            </a:r>
+          </a:p>
+        </p:txBody>
+      </p:sp>
+      <p:sp>
+        <p:nvSpPr>
+          <p:cNvPr id="20" name="TextBox 19">
+            <a:extLst>
+              <a:ext uri="{FF2B5EF4-FFF2-40B4-BE49-F238E27FC236}">
+                <a16:creationId xmlns:a16="http://schemas.microsoft.com/office/drawing/2014/main" id="{1C1033FB-9ABF-4450-9498-51E33DE55678}"/>
               </a:ext>
             </a:extLst>
           </p:cNvPr>
@@ -4249,8 +6608,8 @@
         </p:nvSpPr>
         <p:spPr>
           <a:xfrm>
-            <a:off x="4971534" y="4714789"/>
-            <a:ext cx="6458465" cy="923330"/>
+            <a:off x="4477265" y="445529"/>
+            <a:ext cx="6458465" cy="369332"/>
           </a:xfrm>
           <a:prstGeom prst="rect">
             <a:avLst/>
@@ -4265,54 +6624,57 @@
           <a:p>
             <a:r>
               <a:rPr lang="ko-KR" altLang="en-US" dirty="0"/>
-              <a:t>로컬 버전 테이블 갱신 </a:t>
+              <a:t>서버 버전 테이블 조회 및 추출</a:t>
+            </a:r>
+            <a:endParaRPr lang="en-US" altLang="ko-KR" dirty="0"/>
+          </a:p>
+        </p:txBody>
+      </p:sp>
+      <p:sp>
+        <p:nvSpPr>
+          <p:cNvPr id="21" name="TextBox 20">
+            <a:extLst>
+              <a:ext uri="{FF2B5EF4-FFF2-40B4-BE49-F238E27FC236}">
+                <a16:creationId xmlns:a16="http://schemas.microsoft.com/office/drawing/2014/main" id="{556C6E5C-7D9A-4F35-B25B-93A26A8BC0C2}"/>
+              </a:ext>
+            </a:extLst>
+          </p:cNvPr>
+          <p:cNvSpPr txBox="1"/>
+          <p:nvPr/>
+        </p:nvSpPr>
+        <p:spPr>
+          <a:xfrm>
+            <a:off x="4971535" y="2044696"/>
+            <a:ext cx="6458465" cy="369332"/>
+          </a:xfrm>
+          <a:prstGeom prst="rect">
+            <a:avLst/>
+          </a:prstGeom>
+          <a:noFill/>
+        </p:spPr>
+        <p:txBody>
+          <a:bodyPr wrap="square" rtlCol="0">
+            <a:spAutoFit/>
+          </a:bodyPr>
+          <a:lstStyle/>
+          <a:p>
+            <a:r>
+              <a:rPr lang="en-US" altLang="ko-KR" dirty="0" err="1"/>
+              <a:t>UnityWebRequest.Get</a:t>
             </a:r>
             <a:r>
               <a:rPr lang="en-US" altLang="ko-KR" dirty="0"/>
-              <a:t>(</a:t>
-            </a:r>
-            <a:r>
-              <a:rPr lang="ko-KR" altLang="en-US" dirty="0"/>
-              <a:t>서버 버전 테이블로 덮어쓰기</a:t>
-            </a:r>
-            <a:r>
-              <a:rPr lang="en-US" altLang="ko-KR" dirty="0"/>
-              <a:t>)</a:t>
-            </a:r>
-          </a:p>
-          <a:p>
-            <a:r>
-              <a:rPr lang="ko-KR" altLang="en-US" dirty="0"/>
-              <a:t>로컬 버전 테이블이 없다면 신규 생성</a:t>
-            </a:r>
-            <a:endParaRPr lang="en-US" altLang="ko-KR" dirty="0"/>
-          </a:p>
-          <a:p>
-            <a:r>
-              <a:rPr lang="ko-KR" altLang="en-US" dirty="0"/>
-              <a:t>당장 수행에 필요는 </a:t>
-            </a:r>
-            <a:r>
-              <a:rPr lang="en-US" altLang="ko-KR" dirty="0"/>
-              <a:t>X. </a:t>
-            </a:r>
-            <a:r>
-              <a:rPr lang="ko-KR" altLang="en-US" dirty="0"/>
-              <a:t>패치 상태를 확인하기 위함</a:t>
-            </a:r>
-            <a:r>
-              <a:rPr lang="en-US" altLang="ko-KR" dirty="0"/>
-              <a:t>.</a:t>
-            </a:r>
-          </a:p>
-        </p:txBody>
-      </p:sp>
-      <p:sp>
-        <p:nvSpPr>
-          <p:cNvPr id="9" name="직사각형 8">
-            <a:extLst>
-              <a:ext uri="{FF2B5EF4-FFF2-40B4-BE49-F238E27FC236}">
-                <a16:creationId xmlns:a16="http://schemas.microsoft.com/office/drawing/2014/main" id="{F8079201-A3B1-43F0-B085-92661661AE35}"/>
+              <a:t>( version table URL )</a:t>
+            </a:r>
+          </a:p>
+        </p:txBody>
+      </p:sp>
+      <p:sp>
+        <p:nvSpPr>
+          <p:cNvPr id="8" name="직사각형 7">
+            <a:extLst>
+              <a:ext uri="{FF2B5EF4-FFF2-40B4-BE49-F238E27FC236}">
+                <a16:creationId xmlns:a16="http://schemas.microsoft.com/office/drawing/2014/main" id="{F7B9AF51-4851-4BDA-8161-C1C27A027BA7}"/>
               </a:ext>
             </a:extLst>
           </p:cNvPr>
@@ -4321,8 +6683,60 @@
         </p:nvSpPr>
         <p:spPr>
           <a:xfrm>
-            <a:off x="939112" y="3291017"/>
-            <a:ext cx="3583458" cy="823783"/>
+            <a:off x="193585" y="218304"/>
+            <a:ext cx="3616409" cy="823783"/>
+          </a:xfrm>
+          <a:prstGeom prst="rect">
+            <a:avLst/>
+          </a:prstGeom>
+        </p:spPr>
+        <p:style>
+          <a:lnRef idx="1">
+            <a:schemeClr val="accent2"/>
+          </a:lnRef>
+          <a:fillRef idx="2">
+            <a:schemeClr val="accent2"/>
+          </a:fillRef>
+          <a:effectRef idx="1">
+            <a:schemeClr val="accent2"/>
+          </a:effectRef>
+          <a:fontRef idx="minor">
+            <a:schemeClr val="dk1"/>
+          </a:fontRef>
+        </p:style>
+        <p:txBody>
+          <a:bodyPr rtlCol="0" anchor="ctr"/>
+          <a:lstStyle/>
+          <a:p>
+            <a:pPr algn="ctr"/>
+            <a:r>
+              <a:rPr lang="en-US" altLang="ko-KR" dirty="0" err="1"/>
+              <a:t>NewCheckBundleVersion</a:t>
+            </a:r>
+            <a:r>
+              <a:rPr lang="en-US" altLang="ko-KR" dirty="0"/>
+              <a:t>()</a:t>
+            </a:r>
+            <a:endParaRPr lang="ko-KR" altLang="en-US" dirty="0"/>
+          </a:p>
+        </p:txBody>
+      </p:sp>
+      <p:sp>
+        <p:nvSpPr>
+          <p:cNvPr id="6" name="직사각형 5">
+            <a:extLst>
+              <a:ext uri="{FF2B5EF4-FFF2-40B4-BE49-F238E27FC236}">
+                <a16:creationId xmlns:a16="http://schemas.microsoft.com/office/drawing/2014/main" id="{1C9FB8A4-8B5D-4698-9AFD-A920498AE12A}"/>
+              </a:ext>
+            </a:extLst>
+          </p:cNvPr>
+          <p:cNvSpPr/>
+          <p:nvPr/>
+        </p:nvSpPr>
+        <p:spPr>
+          <a:xfrm>
+            <a:off x="1116225" y="4764563"/>
+            <a:ext cx="3229233" cy="823783"/>
           </a:xfrm>
           <a:prstGeom prst="rect">
             <a:avLst/>
@@ -4348,6 +6762,133 @@
           <a:p>
             <a:pPr algn="ctr"/>
             <a:r>
+              <a:rPr lang="ko-KR" altLang="en-US" dirty="0"/>
+              <a:t>로컬</a:t>
+            </a:r>
+            <a:r>
+              <a:rPr lang="en-US" altLang="ko-KR" dirty="0"/>
+              <a:t> </a:t>
+            </a:r>
+            <a:r>
+              <a:rPr lang="ko-KR" altLang="en-US" dirty="0"/>
+              <a:t>버전 테이블 기록</a:t>
+            </a:r>
+          </a:p>
+        </p:txBody>
+      </p:sp>
+      <p:sp>
+        <p:nvSpPr>
+          <p:cNvPr id="7" name="TextBox 6">
+            <a:extLst>
+              <a:ext uri="{FF2B5EF4-FFF2-40B4-BE49-F238E27FC236}">
+                <a16:creationId xmlns:a16="http://schemas.microsoft.com/office/drawing/2014/main" id="{FBDD3226-415A-4163-A927-3F0A12A10A92}"/>
+              </a:ext>
+            </a:extLst>
+          </p:cNvPr>
+          <p:cNvSpPr txBox="1"/>
+          <p:nvPr/>
+        </p:nvSpPr>
+        <p:spPr>
+          <a:xfrm>
+            <a:off x="4971534" y="4714789"/>
+            <a:ext cx="6458465" cy="923330"/>
+          </a:xfrm>
+          <a:prstGeom prst="rect">
+            <a:avLst/>
+          </a:prstGeom>
+          <a:noFill/>
+        </p:spPr>
+        <p:txBody>
+          <a:bodyPr wrap="square" rtlCol="0">
+            <a:spAutoFit/>
+          </a:bodyPr>
+          <a:lstStyle/>
+          <a:p>
+            <a:r>
+              <a:rPr lang="ko-KR" altLang="en-US" dirty="0"/>
+              <a:t>로컬 버전 테이블 갱신 </a:t>
+            </a:r>
+            <a:r>
+              <a:rPr lang="en-US" altLang="ko-KR" dirty="0"/>
+              <a:t>(</a:t>
+            </a:r>
+            <a:r>
+              <a:rPr lang="ko-KR" altLang="en-US" dirty="0"/>
+              <a:t>서버 버전 테이블로 덮어쓰기</a:t>
+            </a:r>
+            <a:r>
+              <a:rPr lang="en-US" altLang="ko-KR" dirty="0"/>
+              <a:t>)</a:t>
+            </a:r>
+          </a:p>
+          <a:p>
+            <a:r>
+              <a:rPr lang="ko-KR" altLang="en-US" dirty="0"/>
+              <a:t>로컬 버전 테이블이 없다면 신규 생성</a:t>
+            </a:r>
+            <a:endParaRPr lang="en-US" altLang="ko-KR" dirty="0"/>
+          </a:p>
+          <a:p>
+            <a:r>
+              <a:rPr lang="ko-KR" altLang="en-US" dirty="0"/>
+              <a:t>당장 수행에 필요는 </a:t>
+            </a:r>
+            <a:r>
+              <a:rPr lang="en-US" altLang="ko-KR" dirty="0"/>
+              <a:t>X. </a:t>
+            </a:r>
+            <a:r>
+              <a:rPr lang="ko-KR" altLang="en-US" dirty="0"/>
+              <a:t>패치 상태를 확인하기 위함</a:t>
+            </a:r>
+            <a:r>
+              <a:rPr lang="en-US" altLang="ko-KR" dirty="0"/>
+              <a:t>.</a:t>
+            </a:r>
+          </a:p>
+        </p:txBody>
+      </p:sp>
+      <p:sp>
+        <p:nvSpPr>
+          <p:cNvPr id="9" name="직사각형 8">
+            <a:extLst>
+              <a:ext uri="{FF2B5EF4-FFF2-40B4-BE49-F238E27FC236}">
+                <a16:creationId xmlns:a16="http://schemas.microsoft.com/office/drawing/2014/main" id="{F8079201-A3B1-43F0-B085-92661661AE35}"/>
+              </a:ext>
+            </a:extLst>
+          </p:cNvPr>
+          <p:cNvSpPr/>
+          <p:nvPr/>
+        </p:nvSpPr>
+        <p:spPr>
+          <a:xfrm>
+            <a:off x="939112" y="3291017"/>
+            <a:ext cx="3583458" cy="823783"/>
+          </a:xfrm>
+          <a:prstGeom prst="rect">
+            <a:avLst/>
+          </a:prstGeom>
+        </p:spPr>
+        <p:style>
+          <a:lnRef idx="1">
+            <a:schemeClr val="accent4"/>
+          </a:lnRef>
+          <a:fillRef idx="2">
+            <a:schemeClr val="accent4"/>
+          </a:fillRef>
+          <a:effectRef idx="1">
+            <a:schemeClr val="accent4"/>
+          </a:effectRef>
+          <a:fontRef idx="minor">
+            <a:schemeClr val="dk1"/>
+          </a:fontRef>
+        </p:style>
+        <p:txBody>
+          <a:bodyPr rtlCol="0" anchor="ctr"/>
+          <a:lstStyle/>
+          <a:p>
+            <a:pPr algn="ctr"/>
+            <a:r>
               <a:rPr lang="ko-KR" altLang="en-US"/>
               <a:t>서버 버전 테이블 데이터 추출</a:t>
             </a:r>
@@ -4438,7 +6979,7 @@
 </p:sld>
 </file>
 
-<file path=ppt/slides/slide12.xml><?xml version="1.0" encoding="utf-8"?>
+<file path=ppt/slides/slide14.xml><?xml version="1.0" encoding="utf-8"?>
 <p:sld xmlns:a="http://schemas.openxmlformats.org/drawingml/2006/main" xmlns:r="http://schemas.openxmlformats.org/officeDocument/2006/relationships" xmlns:p="http://schemas.openxmlformats.org/presentationml/2006/main">
   <p:cSld>
     <p:spTree>
@@ -4866,7 +7407,7 @@
         </p:nvSpPr>
         <p:spPr>
           <a:xfrm>
-            <a:off x="634314" y="1703862"/>
+            <a:off x="74141" y="1319477"/>
             <a:ext cx="4251485" cy="1200329"/>
           </a:xfrm>
           <a:prstGeom prst="rect">
@@ -4955,7 +7496,7 @@
         </p:nvSpPr>
         <p:spPr>
           <a:xfrm>
-            <a:off x="5592352" y="1723439"/>
+            <a:off x="4325626" y="1319477"/>
             <a:ext cx="4336444" cy="1200329"/>
           </a:xfrm>
           <a:prstGeom prst="rect">
@@ -5132,7 +7673,7 @@
         </p:nvSpPr>
         <p:spPr>
           <a:xfrm>
-            <a:off x="634313" y="3301338"/>
+            <a:off x="74141" y="2710052"/>
             <a:ext cx="3413114" cy="1200329"/>
           </a:xfrm>
           <a:prstGeom prst="rect">
@@ -5242,7 +7783,7 @@
         </p:nvSpPr>
         <p:spPr>
           <a:xfrm>
-            <a:off x="5592352" y="3306876"/>
+            <a:off x="3487255" y="2710052"/>
             <a:ext cx="3328155" cy="1200329"/>
           </a:xfrm>
           <a:prstGeom prst="rect">
@@ -5438,6 +7979,141 @@
           </a:ln>
         </p:spPr>
       </p:pic>
+      <p:sp>
+        <p:nvSpPr>
+          <p:cNvPr id="11" name="TextBox 10">
+            <a:extLst>
+              <a:ext uri="{FF2B5EF4-FFF2-40B4-BE49-F238E27FC236}">
+                <a16:creationId xmlns:a16="http://schemas.microsoft.com/office/drawing/2014/main" id="{52DE4E07-ED7C-42A5-B3EE-61CFA1E934AD}"/>
+              </a:ext>
+            </a:extLst>
+          </p:cNvPr>
+          <p:cNvSpPr txBox="1"/>
+          <p:nvPr/>
+        </p:nvSpPr>
+        <p:spPr>
+          <a:xfrm>
+            <a:off x="985579" y="4267096"/>
+            <a:ext cx="8029762" cy="830997"/>
+          </a:xfrm>
+          <a:prstGeom prst="rect">
+            <a:avLst/>
+          </a:prstGeom>
+          <a:noFill/>
+          <a:ln>
+            <a:solidFill>
+              <a:schemeClr val="tx1"/>
+            </a:solidFill>
+          </a:ln>
+        </p:spPr>
+        <p:txBody>
+          <a:bodyPr wrap="none" rtlCol="0">
+            <a:spAutoFit/>
+          </a:bodyPr>
+          <a:lstStyle/>
+          <a:p>
+            <a:r>
+              <a:rPr lang="ko-KR" altLang="en-US" sz="1200" dirty="0">
+                <a:solidFill>
+                  <a:srgbClr val="0070C0"/>
+                </a:solidFill>
+              </a:rPr>
+              <a:t>번들 파일 로컬에 저장한 후 로드 시 누적 패치 소요 시간</a:t>
+            </a:r>
+            <a:r>
+              <a:rPr lang="en-US" altLang="ko-KR" sz="1200" dirty="0">
+                <a:solidFill>
+                  <a:srgbClr val="0070C0"/>
+                </a:solidFill>
+              </a:rPr>
+              <a:t>		19.438	16.839</a:t>
+            </a:r>
+            <a:r>
+              <a:rPr lang="en-US" altLang="ko-KR" sz="1200" dirty="0"/>
+              <a:t>	</a:t>
+            </a:r>
+            <a:r>
+              <a:rPr lang="en-US" altLang="ko-KR" sz="1200" dirty="0">
+                <a:solidFill>
+                  <a:srgbClr val="0070C0"/>
+                </a:solidFill>
+              </a:rPr>
+              <a:t>17.257</a:t>
+            </a:r>
+          </a:p>
+          <a:p>
+            <a:endParaRPr lang="en-US" altLang="ko-KR" sz="1200" dirty="0">
+              <a:solidFill>
+                <a:srgbClr val="0070C0"/>
+              </a:solidFill>
+            </a:endParaRPr>
+          </a:p>
+          <a:p>
+            <a:r>
+              <a:rPr lang="ko-KR" altLang="en-US" sz="1200" dirty="0">
+                <a:solidFill>
+                  <a:schemeClr val="accent6">
+                    <a:lumMod val="75000"/>
+                  </a:schemeClr>
+                </a:solidFill>
+              </a:rPr>
+              <a:t>로컬에 저장하지 않는 경우 최초 로드 시 누적 패치 소요 시간</a:t>
+            </a:r>
+            <a:r>
+              <a:rPr lang="en-US" altLang="ko-KR" sz="1200" dirty="0">
+                <a:solidFill>
+                  <a:schemeClr val="accent6">
+                    <a:lumMod val="75000"/>
+                  </a:schemeClr>
+                </a:solidFill>
+              </a:rPr>
+              <a:t>		17.781	13.780	14.940</a:t>
+            </a:r>
+          </a:p>
+          <a:p>
+            <a:r>
+              <a:rPr lang="ko-KR" altLang="en-US" sz="1200" dirty="0">
+                <a:solidFill>
+                  <a:schemeClr val="accent6">
+                    <a:lumMod val="75000"/>
+                  </a:schemeClr>
+                </a:solidFill>
+              </a:rPr>
+              <a:t>로컬에 저장하지 않는 경우</a:t>
+            </a:r>
+            <a:r>
+              <a:rPr lang="en-US" altLang="ko-KR" sz="1200" dirty="0">
+                <a:solidFill>
+                  <a:schemeClr val="accent6">
+                    <a:lumMod val="75000"/>
+                  </a:schemeClr>
+                </a:solidFill>
+              </a:rPr>
+              <a:t> </a:t>
+            </a:r>
+            <a:r>
+              <a:rPr lang="ko-KR" altLang="en-US" sz="1200" dirty="0">
+                <a:solidFill>
+                  <a:schemeClr val="accent6">
+                    <a:lumMod val="75000"/>
+                  </a:schemeClr>
+                </a:solidFill>
+              </a:rPr>
+              <a:t>캐시로부터 로드 시 누적 패치 소요 시간</a:t>
+            </a:r>
+            <a:r>
+              <a:rPr lang="en-US" altLang="ko-KR" sz="1200" dirty="0">
+                <a:solidFill>
+                  <a:schemeClr val="accent6">
+                    <a:lumMod val="75000"/>
+                  </a:schemeClr>
+                </a:solidFill>
+              </a:rPr>
+              <a:t>	1.066	1.042	1.405</a:t>
+            </a:r>
+          </a:p>
+        </p:txBody>
+      </p:sp>
     </p:spTree>
     <p:extLst>
       <p:ext uri="{BB962C8B-B14F-4D97-AF65-F5344CB8AC3E}">
@@ -5483,7 +8159,7 @@
         <p:spPr>
           <a:xfrm>
             <a:off x="617837" y="1013255"/>
-            <a:ext cx="5292090" cy="1477328"/>
+            <a:ext cx="7609455" cy="2585323"/>
           </a:xfrm>
           <a:prstGeom prst="rect">
             <a:avLst/>
@@ -5556,6 +8232,28 @@
               </a:rPr>
               <a:t>https://lifeisforu.tistory.com/341</a:t>
             </a:r>
+            <a:endParaRPr lang="en-US" altLang="ko-KR" dirty="0"/>
+          </a:p>
+          <a:p>
+            <a:endParaRPr lang="en-US" altLang="ko-KR" dirty="0"/>
+          </a:p>
+          <a:p>
+            <a:r>
+              <a:rPr lang="ko-KR" altLang="en-US" dirty="0" err="1"/>
+              <a:t>캐싱</a:t>
+            </a:r>
+            <a:endParaRPr lang="en-US" altLang="ko-KR" dirty="0"/>
+          </a:p>
+          <a:p>
+            <a:r>
+              <a:rPr lang="en-US" altLang="ko-KR" dirty="0">
+                <a:hlinkClick r:id="rId4"/>
+              </a:rPr>
+              <a:t>http://devkorea.co.kr/bbs/board.php?bo_table=m03_qna&amp;wr_id=50195</a:t>
+            </a:r>
+            <a:endParaRPr lang="en-US" altLang="ko-KR" dirty="0"/>
+          </a:p>
+          <a:p>
             <a:endParaRPr lang="en-US" altLang="ko-KR" dirty="0"/>
           </a:p>
         </p:txBody>
@@ -7408,7 +10106,7 @@
         <p:spPr>
           <a:xfrm>
             <a:off x="6899910" y="0"/>
-            <a:ext cx="5292090" cy="1754326"/>
+            <a:ext cx="5292090" cy="2585323"/>
           </a:xfrm>
           <a:prstGeom prst="rect">
             <a:avLst/>
@@ -7484,7 +10182,26 @@
             <a:endParaRPr lang="en-US" altLang="ko-KR" dirty="0"/>
           </a:p>
           <a:p>
-            <a:endParaRPr lang="ko-KR" altLang="en-US" dirty="0"/>
+            <a:endParaRPr lang="en-US" altLang="ko-KR" dirty="0"/>
+          </a:p>
+          <a:p>
+            <a:r>
+              <a:rPr lang="ko-KR" altLang="en-US" dirty="0" err="1"/>
+              <a:t>유나이트서울</a:t>
+            </a:r>
+            <a:endParaRPr lang="en-US" altLang="ko-KR" dirty="0"/>
+          </a:p>
+          <a:p>
+            <a:r>
+              <a:rPr lang="en-US" altLang="ko-KR" dirty="0">
+                <a:hlinkClick r:id="rId4"/>
+              </a:rPr>
+              <a:t>https://youtu.be/Lx61ZEKEvnQ</a:t>
+            </a:r>
+            <a:endParaRPr lang="en-US" altLang="ko-KR" dirty="0"/>
+          </a:p>
+          <a:p>
+            <a:endParaRPr lang="en-US" altLang="ko-KR" dirty="0"/>
           </a:p>
         </p:txBody>
       </p:sp>
